--- a/Courses/Applied-Programmer/Programming-Fundamentals/02-Типове-данни/03.Бройни-системи-представяне.pptx
+++ b/Courses/Applied-Programmer/Programming-Fundamentals/02-Типове-данни/03.Бройни-системи-представяне.pptx
@@ -345,7 +345,7 @@
             <a:fld id="{FE5B4EDC-59C0-49C7-8ADA-5A781B329E02}" type="datetimeFigureOut">
               <a:rPr lang="en-US"/>
               <a:pPr/>
-              <a:t>16-Dec-19</a:t>
+              <a:t>10-Nov-20</a:t>
             </a:fld>
             <a:endParaRPr dirty="0"/>
           </a:p>
@@ -643,7 +643,7 @@
             <a:fld id="{F2D8D46A-B586-417D-BFBD-8C8FE0AAF762}" type="datetimeFigureOut">
               <a:rPr lang="en-US" smtClean="0"/>
               <a:pPr/>
-              <a:t>16-Dec-19</a:t>
+              <a:t>10-Nov-20</a:t>
             </a:fld>
             <a:endParaRPr lang="en-US" dirty="0"/>
           </a:p>
@@ -6840,7 +6840,14 @@
             </a:r>
             <a:r>
               <a:rPr lang="bg-BG" dirty="0"/>
-              <a:t> позиционни бройни системи, но с </a:t>
+              <a:t> позиционни бройни системи</a:t>
+            </a:r>
+          </a:p>
+          <a:p>
+            <a:pPr lvl="2"/>
+            <a:r>
+              <a:rPr lang="bg-BG" dirty="0"/>
+              <a:t>Имат </a:t>
             </a:r>
             <a:r>
               <a:rPr lang="bg-BG" dirty="0">
@@ -6854,7 +6861,21 @@
             </a:r>
             <a:r>
               <a:rPr lang="bg-BG" dirty="0"/>
-              <a:t> смисъл – представляват един и същи брой, едно и също количество</a:t>
+              <a:t> смисъл –</a:t>
+            </a:r>
+            <a:br>
+              <a:rPr lang="bg-BG" dirty="0"/>
+            </a:br>
+            <a:r>
+              <a:rPr lang="bg-BG" dirty="0"/>
+              <a:t>представляват един и същи</a:t>
+            </a:r>
+            <a:br>
+              <a:rPr lang="bg-BG" dirty="0"/>
+            </a:br>
+            <a:r>
+              <a:rPr lang="bg-BG" dirty="0"/>
+              <a:t>брой, едно и също количество</a:t>
             </a:r>
           </a:p>
           <a:p>
@@ -6902,8 +6923,8 @@
         </p:nvGrpSpPr>
         <p:grpSpPr>
           <a:xfrm>
-            <a:off x="7681373" y="1377743"/>
-            <a:ext cx="4179385" cy="3499057"/>
+            <a:off x="8072090" y="1369049"/>
+            <a:ext cx="3799441" cy="3180961"/>
             <a:chOff x="8532812" y="1377743"/>
             <a:chExt cx="3327946" cy="2786217"/>
           </a:xfrm>
@@ -6984,8 +7005,8 @@
         </p:nvGrpSpPr>
         <p:grpSpPr>
           <a:xfrm>
-            <a:off x="6475412" y="5334000"/>
-            <a:ext cx="4839048" cy="1121015"/>
+            <a:off x="7237412" y="5105400"/>
+            <a:ext cx="4458048" cy="1263180"/>
             <a:chOff x="6475412" y="5334000"/>
             <a:chExt cx="4839048" cy="1121015"/>
           </a:xfrm>
@@ -14073,7 +14094,7 @@
         </p:nvGrpSpPr>
         <p:grpSpPr>
           <a:xfrm>
-            <a:off x="1653977" y="2163434"/>
+            <a:off x="1878806" y="2163434"/>
             <a:ext cx="9816306" cy="466666"/>
             <a:chOff x="264318" y="1686892"/>
             <a:chExt cx="9816306" cy="466666"/>
@@ -14704,7 +14725,7 @@
         </p:nvGrpSpPr>
         <p:grpSpPr>
           <a:xfrm>
-            <a:off x="2275483" y="2732117"/>
+            <a:off x="2500312" y="2732117"/>
             <a:ext cx="8535194" cy="533400"/>
             <a:chOff x="1807765" y="2286000"/>
             <a:chExt cx="8535194" cy="533400"/>
@@ -14950,7 +14971,7 @@
         </p:nvGrpSpPr>
         <p:grpSpPr>
           <a:xfrm>
-            <a:off x="1653977" y="3417917"/>
+            <a:off x="1878806" y="3417917"/>
             <a:ext cx="9816306" cy="466666"/>
             <a:chOff x="264318" y="1686892"/>
             <a:chExt cx="9816306" cy="466666"/>
@@ -15639,54 +15660,14 @@
           <a:lstStyle/>
           <a:p>
             <a:r>
-              <a:rPr lang="en-US" altLang="he-IL" sz="3200" dirty="0">
+              <a:rPr lang="bg-BG" altLang="he-IL" sz="3200" dirty="0">
                 <a:solidFill>
                   <a:schemeClr val="tx2">
                     <a:lumMod val="75000"/>
                   </a:schemeClr>
                 </a:solidFill>
               </a:rPr>
-              <a:t>ASCII</a:t>
-            </a:r>
-            <a:r>
-              <a:rPr lang="bg-BG" altLang="he-IL" sz="3200" dirty="0">
-                <a:solidFill>
-                  <a:schemeClr val="tx2">
-                    <a:lumMod val="75000"/>
-                  </a:schemeClr>
-                </a:solidFill>
-              </a:rPr>
-              <a:t> </a:t>
-            </a:r>
-            <a:r>
-              <a:rPr lang="en-US" altLang="he-IL" sz="3200" dirty="0">
-                <a:solidFill>
-                  <a:schemeClr val="tx2">
-                    <a:lumMod val="75000"/>
-                  </a:schemeClr>
-                </a:solidFill>
-              </a:rPr>
-              <a:t>(</a:t>
-            </a:r>
-            <a:r>
-              <a:rPr lang="bg-BG" altLang="he-IL" sz="3200" dirty="0">
-                <a:solidFill>
-                  <a:schemeClr val="tx2">
-                    <a:lumMod val="75000"/>
-                  </a:schemeClr>
-                </a:solidFill>
-              </a:rPr>
-              <a:t>десетично</a:t>
-            </a:r>
-            <a:r>
-              <a:rPr lang="en-US" altLang="he-IL" sz="3200" dirty="0">
-                <a:solidFill>
-                  <a:schemeClr val="tx2">
-                    <a:lumMod val="75000"/>
-                  </a:schemeClr>
-                </a:solidFill>
-              </a:rPr>
-              <a:t>)</a:t>
+              <a:t>Десетично</a:t>
             </a:r>
             <a:endParaRPr lang="en-US" sz="3100" dirty="0"/>
           </a:p>
@@ -15700,7 +15681,7 @@
         </p:nvGrpSpPr>
         <p:grpSpPr>
           <a:xfrm>
-            <a:off x="2313583" y="4103717"/>
+            <a:off x="2538412" y="4103717"/>
             <a:ext cx="8535194" cy="533400"/>
             <a:chOff x="1807765" y="2286000"/>
             <a:chExt cx="8535194" cy="533400"/>
@@ -15946,7 +15927,7 @@
         </p:nvGrpSpPr>
         <p:grpSpPr>
           <a:xfrm>
-            <a:off x="1692077" y="4789517"/>
+            <a:off x="1916906" y="4789517"/>
             <a:ext cx="9816306" cy="466666"/>
             <a:chOff x="264318" y="1686892"/>
             <a:chExt cx="9816306" cy="466666"/>

--- a/Courses/Applied-Programmer/Programming-Fundamentals/02-Типове-данни/03.Бройни-системи-представяне.pptx
+++ b/Courses/Applied-Programmer/Programming-Fundamentals/02-Типове-данни/03.Бройни-системи-представяне.pptx
@@ -345,7 +345,7 @@
             <a:fld id="{FE5B4EDC-59C0-49C7-8ADA-5A781B329E02}" type="datetimeFigureOut">
               <a:rPr lang="en-US"/>
               <a:pPr/>
-              <a:t>10-Nov-20</a:t>
+              <a:t>19-Nov-20</a:t>
             </a:fld>
             <a:endParaRPr dirty="0"/>
           </a:p>
@@ -643,7 +643,7 @@
             <a:fld id="{F2D8D46A-B586-417D-BFBD-8C8FE0AAF762}" type="datetimeFigureOut">
               <a:rPr lang="en-US" smtClean="0"/>
               <a:pPr/>
-              <a:t>10-Nov-20</a:t>
+              <a:t>19-Nov-20</a:t>
             </a:fld>
             <a:endParaRPr lang="en-US" dirty="0"/>
           </a:p>
@@ -3911,10 +3911,10 @@
         </p:nvGrpSpPr>
         <p:grpSpPr>
           <a:xfrm>
-            <a:off x="760412" y="3583505"/>
-            <a:ext cx="5043827" cy="2524722"/>
-            <a:chOff x="745783" y="3624633"/>
-            <a:chExt cx="5043827" cy="2524722"/>
+            <a:off x="291267" y="3583505"/>
+            <a:ext cx="5512972" cy="2700696"/>
+            <a:chOff x="276638" y="3624633"/>
+            <a:chExt cx="5512972" cy="2700696"/>
           </a:xfrm>
         </p:grpSpPr>
         <p:pic>
@@ -3977,7 +3977,7 @@
           </p:blipFill>
           <p:spPr bwMode="auto">
             <a:xfrm>
-              <a:off x="745783" y="4076772"/>
+              <a:off x="288583" y="4203261"/>
               <a:ext cx="2175525" cy="761165"/>
             </a:xfrm>
             <a:prstGeom prst="roundRect">
@@ -4016,7 +4016,7 @@
           </p:nvSpPr>
           <p:spPr bwMode="auto">
             <a:xfrm>
-              <a:off x="760413" y="4998598"/>
+              <a:off x="288583" y="5037340"/>
               <a:ext cx="3187614" cy="444343"/>
             </a:xfrm>
             <a:prstGeom prst="rect">
@@ -4273,7 +4273,7 @@
           </p:nvSpPr>
           <p:spPr bwMode="auto">
             <a:xfrm>
-              <a:off x="760412" y="5403725"/>
+              <a:off x="276638" y="5484079"/>
               <a:ext cx="3187613" cy="382788"/>
             </a:xfrm>
             <a:prstGeom prst="rect">
@@ -4529,7 +4529,7 @@
           </p:nvSpPr>
           <p:spPr bwMode="auto">
             <a:xfrm>
-              <a:off x="760412" y="5690893"/>
+              <a:off x="288583" y="5866867"/>
               <a:ext cx="3810000" cy="458462"/>
             </a:xfrm>
             <a:prstGeom prst="rect">
@@ -4770,6 +4770,141 @@
           </p:txBody>
         </p:sp>
       </p:grpSp>
+      <p:sp>
+        <p:nvSpPr>
+          <p:cNvPr id="14" name="Text Placeholder 11">
+            <a:extLst>
+              <a:ext uri="{FF2B5EF4-FFF2-40B4-BE49-F238E27FC236}">
+                <a16:creationId xmlns:a16="http://schemas.microsoft.com/office/drawing/2014/main" id="{3E4A0819-C69C-40DE-8DCD-6732932F3986}"/>
+              </a:ext>
+            </a:extLst>
+          </p:cNvPr>
+          <p:cNvSpPr txBox="1">
+            <a:spLocks/>
+          </p:cNvSpPr>
+          <p:nvPr/>
+        </p:nvSpPr>
+        <p:spPr bwMode="auto">
+          <a:xfrm>
+            <a:off x="303212" y="6295121"/>
+            <a:ext cx="11885613" cy="349702"/>
+          </a:xfrm>
+          <a:prstGeom prst="rect">
+            <a:avLst/>
+          </a:prstGeom>
+          <a:noFill/>
+          <a:effectLst/>
+        </p:spPr>
+        <p:txBody>
+          <a:bodyPr vert="horz" wrap="square" lIns="36000" tIns="36000" rIns="36000" bIns="36000" rtlCol="0" anchor="ctr" anchorCtr="0">
+            <a:spAutoFit/>
+          </a:bodyPr>
+          <a:lstStyle>
+            <a:defPPr>
+              <a:defRPr lang="en-US"/>
+            </a:defPPr>
+            <a:lvl1pPr marL="0" algn="l" defTabSz="1218987" rtl="0" eaLnBrk="1" latinLnBrk="0" hangingPunct="1">
+              <a:defRPr sz="2400" kern="1200">
+                <a:solidFill>
+                  <a:schemeClr val="tx1"/>
+                </a:solidFill>
+                <a:latin typeface="+mn-lt"/>
+                <a:ea typeface="+mn-ea"/>
+                <a:cs typeface="+mn-cs"/>
+              </a:defRPr>
+            </a:lvl1pPr>
+            <a:lvl2pPr marL="609493" algn="l" defTabSz="1218987" rtl="0" eaLnBrk="1" latinLnBrk="0" hangingPunct="1">
+              <a:defRPr sz="2400" kern="1200">
+                <a:solidFill>
+                  <a:schemeClr val="tx1"/>
+                </a:solidFill>
+                <a:latin typeface="+mn-lt"/>
+                <a:ea typeface="+mn-ea"/>
+                <a:cs typeface="+mn-cs"/>
+              </a:defRPr>
+            </a:lvl2pPr>
+            <a:lvl3pPr marL="1218987" algn="l" defTabSz="1218987" rtl="0" eaLnBrk="1" latinLnBrk="0" hangingPunct="1">
+              <a:defRPr sz="2400" kern="1200">
+                <a:solidFill>
+                  <a:schemeClr val="tx1"/>
+                </a:solidFill>
+                <a:latin typeface="+mn-lt"/>
+                <a:ea typeface="+mn-ea"/>
+                <a:cs typeface="+mn-cs"/>
+              </a:defRPr>
+            </a:lvl3pPr>
+            <a:lvl4pPr marL="1828480" algn="l" defTabSz="1218987" rtl="0" eaLnBrk="1" latinLnBrk="0" hangingPunct="1">
+              <a:defRPr sz="2400" kern="1200">
+                <a:solidFill>
+                  <a:schemeClr val="tx1"/>
+                </a:solidFill>
+                <a:latin typeface="+mn-lt"/>
+                <a:ea typeface="+mn-ea"/>
+                <a:cs typeface="+mn-cs"/>
+              </a:defRPr>
+            </a:lvl4pPr>
+            <a:lvl5pPr marL="2437973" algn="l" defTabSz="1218987" rtl="0" eaLnBrk="1" latinLnBrk="0" hangingPunct="1">
+              <a:defRPr sz="2400" kern="1200">
+                <a:solidFill>
+                  <a:schemeClr val="tx1"/>
+                </a:solidFill>
+                <a:latin typeface="+mn-lt"/>
+                <a:ea typeface="+mn-ea"/>
+                <a:cs typeface="+mn-cs"/>
+              </a:defRPr>
+            </a:lvl5pPr>
+            <a:lvl6pPr marL="3047467" algn="l" defTabSz="1218987" rtl="0" eaLnBrk="1" latinLnBrk="0" hangingPunct="1">
+              <a:defRPr sz="2400" kern="1200">
+                <a:solidFill>
+                  <a:schemeClr val="tx1"/>
+                </a:solidFill>
+                <a:latin typeface="+mn-lt"/>
+                <a:ea typeface="+mn-ea"/>
+                <a:cs typeface="+mn-cs"/>
+              </a:defRPr>
+            </a:lvl6pPr>
+            <a:lvl7pPr marL="3656960" algn="l" defTabSz="1218987" rtl="0" eaLnBrk="1" latinLnBrk="0" hangingPunct="1">
+              <a:defRPr sz="2400" kern="1200">
+                <a:solidFill>
+                  <a:schemeClr val="tx1"/>
+                </a:solidFill>
+                <a:latin typeface="+mn-lt"/>
+                <a:ea typeface="+mn-ea"/>
+                <a:cs typeface="+mn-cs"/>
+              </a:defRPr>
+            </a:lvl7pPr>
+            <a:lvl8pPr marL="4266453" algn="l" defTabSz="1218987" rtl="0" eaLnBrk="1" latinLnBrk="0" hangingPunct="1">
+              <a:defRPr sz="2400" kern="1200">
+                <a:solidFill>
+                  <a:schemeClr val="tx1"/>
+                </a:solidFill>
+                <a:latin typeface="+mn-lt"/>
+                <a:ea typeface="+mn-ea"/>
+                <a:cs typeface="+mn-cs"/>
+              </a:defRPr>
+            </a:lvl8pPr>
+            <a:lvl9pPr marL="4875947" algn="l" defTabSz="1218987" rtl="0" eaLnBrk="1" latinLnBrk="0" hangingPunct="1">
+              <a:defRPr sz="2400" kern="1200">
+                <a:solidFill>
+                  <a:schemeClr val="tx1"/>
+                </a:solidFill>
+                <a:latin typeface="+mn-lt"/>
+                <a:ea typeface="+mn-ea"/>
+                <a:cs typeface="+mn-cs"/>
+              </a:defRPr>
+            </a:lvl9pPr>
+          </a:lstStyle>
+          <a:p>
+            <a:r>
+              <a:rPr lang="en-US" sz="1800" b="1" dirty="0">
+                <a:hlinkClick r:id="rId10"/>
+              </a:rPr>
+              <a:t>https://github.com/BG-IT-Edu/School-Programming/tree/main/Courses/Applied-Programmer/Programming-Fundamentals</a:t>
+            </a:r>
+            <a:endParaRPr lang="en-GB" sz="1800" b="1" dirty="0"/>
+          </a:p>
+        </p:txBody>
+      </p:sp>
     </p:spTree>
     <p:extLst>
       <p:ext uri="{BB962C8B-B14F-4D97-AF65-F5344CB8AC3E}">
@@ -7261,48 +7396,149 @@
           <a:lstStyle/>
           <a:p>
             <a:r>
-              <a:rPr lang="bg-BG" dirty="0">
-                <a:latin typeface="+mn-ea"/>
+              <a:rPr lang="bg-BG" sz="5400" dirty="0">
+                <a:latin typeface="+mn-lt"/>
               </a:rPr>
               <a:t>Бройни системи</a:t>
             </a:r>
-            <a:endParaRPr lang="en-US" dirty="0"/>
+            <a:endParaRPr lang="en-US" sz="5400" dirty="0">
+              <a:latin typeface="+mn-lt"/>
+            </a:endParaRPr>
           </a:p>
         </p:txBody>
       </p:sp>
       <p:sp>
         <p:nvSpPr>
-          <p:cNvPr id="3" name="Text Placeholder 2"/>
-          <p:cNvSpPr>
-            <a:spLocks noGrp="1"/>
+          <p:cNvPr id="6" name="Text Placeholder 11">
+            <a:extLst>
+              <a:ext uri="{FF2B5EF4-FFF2-40B4-BE49-F238E27FC236}">
+                <a16:creationId xmlns:a16="http://schemas.microsoft.com/office/drawing/2014/main" id="{3E4A0819-C69C-40DE-8DCD-6732932F3986}"/>
+              </a:ext>
+            </a:extLst>
+          </p:cNvPr>
+          <p:cNvSpPr txBox="1">
+            <a:spLocks/>
           </p:cNvSpPr>
-          <p:nvPr>
-            <p:ph type="body" sz="quarter" idx="10"/>
-          </p:nvPr>
+          <p:nvPr/>
         </p:nvSpPr>
-        <p:spPr>
+        <p:spPr bwMode="auto">
           <a:xfrm>
-            <a:off x="1529384" y="6400802"/>
-            <a:ext cx="10482604" cy="351754"/>
+            <a:off x="303212" y="6400800"/>
+            <a:ext cx="11885613" cy="349702"/>
           </a:xfrm>
+          <a:prstGeom prst="rect">
+            <a:avLst/>
+          </a:prstGeom>
+          <a:noFill/>
+          <a:effectLst/>
         </p:spPr>
         <p:txBody>
-          <a:bodyPr/>
-          <a:lstStyle/>
+          <a:bodyPr vert="horz" wrap="square" lIns="36000" tIns="36000" rIns="36000" bIns="36000" rtlCol="0" anchor="ctr" anchorCtr="0">
+            <a:spAutoFit/>
+          </a:bodyPr>
+          <a:lstStyle>
+            <a:defPPr>
+              <a:defRPr lang="en-US"/>
+            </a:defPPr>
+            <a:lvl1pPr marL="0" algn="l" defTabSz="1218987" rtl="0" eaLnBrk="1" latinLnBrk="0" hangingPunct="1">
+              <a:defRPr sz="2400" kern="1200">
+                <a:solidFill>
+                  <a:schemeClr val="tx1"/>
+                </a:solidFill>
+                <a:latin typeface="+mn-lt"/>
+                <a:ea typeface="+mn-ea"/>
+                <a:cs typeface="+mn-cs"/>
+              </a:defRPr>
+            </a:lvl1pPr>
+            <a:lvl2pPr marL="609493" algn="l" defTabSz="1218987" rtl="0" eaLnBrk="1" latinLnBrk="0" hangingPunct="1">
+              <a:defRPr sz="2400" kern="1200">
+                <a:solidFill>
+                  <a:schemeClr val="tx1"/>
+                </a:solidFill>
+                <a:latin typeface="+mn-lt"/>
+                <a:ea typeface="+mn-ea"/>
+                <a:cs typeface="+mn-cs"/>
+              </a:defRPr>
+            </a:lvl2pPr>
+            <a:lvl3pPr marL="1218987" algn="l" defTabSz="1218987" rtl="0" eaLnBrk="1" latinLnBrk="0" hangingPunct="1">
+              <a:defRPr sz="2400" kern="1200">
+                <a:solidFill>
+                  <a:schemeClr val="tx1"/>
+                </a:solidFill>
+                <a:latin typeface="+mn-lt"/>
+                <a:ea typeface="+mn-ea"/>
+                <a:cs typeface="+mn-cs"/>
+              </a:defRPr>
+            </a:lvl3pPr>
+            <a:lvl4pPr marL="1828480" algn="l" defTabSz="1218987" rtl="0" eaLnBrk="1" latinLnBrk="0" hangingPunct="1">
+              <a:defRPr sz="2400" kern="1200">
+                <a:solidFill>
+                  <a:schemeClr val="tx1"/>
+                </a:solidFill>
+                <a:latin typeface="+mn-lt"/>
+                <a:ea typeface="+mn-ea"/>
+                <a:cs typeface="+mn-cs"/>
+              </a:defRPr>
+            </a:lvl4pPr>
+            <a:lvl5pPr marL="2437973" algn="l" defTabSz="1218987" rtl="0" eaLnBrk="1" latinLnBrk="0" hangingPunct="1">
+              <a:defRPr sz="2400" kern="1200">
+                <a:solidFill>
+                  <a:schemeClr val="tx1"/>
+                </a:solidFill>
+                <a:latin typeface="+mn-lt"/>
+                <a:ea typeface="+mn-ea"/>
+                <a:cs typeface="+mn-cs"/>
+              </a:defRPr>
+            </a:lvl5pPr>
+            <a:lvl6pPr marL="3047467" algn="l" defTabSz="1218987" rtl="0" eaLnBrk="1" latinLnBrk="0" hangingPunct="1">
+              <a:defRPr sz="2400" kern="1200">
+                <a:solidFill>
+                  <a:schemeClr val="tx1"/>
+                </a:solidFill>
+                <a:latin typeface="+mn-lt"/>
+                <a:ea typeface="+mn-ea"/>
+                <a:cs typeface="+mn-cs"/>
+              </a:defRPr>
+            </a:lvl6pPr>
+            <a:lvl7pPr marL="3656960" algn="l" defTabSz="1218987" rtl="0" eaLnBrk="1" latinLnBrk="0" hangingPunct="1">
+              <a:defRPr sz="2400" kern="1200">
+                <a:solidFill>
+                  <a:schemeClr val="tx1"/>
+                </a:solidFill>
+                <a:latin typeface="+mn-lt"/>
+                <a:ea typeface="+mn-ea"/>
+                <a:cs typeface="+mn-cs"/>
+              </a:defRPr>
+            </a:lvl7pPr>
+            <a:lvl8pPr marL="4266453" algn="l" defTabSz="1218987" rtl="0" eaLnBrk="1" latinLnBrk="0" hangingPunct="1">
+              <a:defRPr sz="2400" kern="1200">
+                <a:solidFill>
+                  <a:schemeClr val="tx1"/>
+                </a:solidFill>
+                <a:latin typeface="+mn-lt"/>
+                <a:ea typeface="+mn-ea"/>
+                <a:cs typeface="+mn-cs"/>
+              </a:defRPr>
+            </a:lvl8pPr>
+            <a:lvl9pPr marL="4875947" algn="l" defTabSz="1218987" rtl="0" eaLnBrk="1" latinLnBrk="0" hangingPunct="1">
+              <a:defRPr sz="2400" kern="1200">
+                <a:solidFill>
+                  <a:schemeClr val="tx1"/>
+                </a:solidFill>
+                <a:latin typeface="+mn-lt"/>
+                <a:ea typeface="+mn-ea"/>
+                <a:cs typeface="+mn-cs"/>
+              </a:defRPr>
+            </a:lvl9pPr>
+          </a:lstStyle>
           <a:p>
             <a:r>
-              <a:rPr lang="en-US" dirty="0">
+              <a:rPr lang="en-US" sz="1800" b="1" dirty="0">
                 <a:hlinkClick r:id="rId3"/>
               </a:rPr>
-              <a:t>https://it-kariera.mon.bg/</a:t>
-            </a:r>
-            <a:r>
-              <a:rPr lang="en-US">
-                <a:hlinkClick r:id="rId3"/>
-              </a:rPr>
-              <a:t>e-learning/</a:t>
-            </a:r>
-            <a:endParaRPr lang="en-US" dirty="0"/>
+              <a:t>https://github.com/BG-IT-Edu/School-Programming/tree/main/Courses/Applied-Programmer/Programming-Fundamentals</a:t>
+            </a:r>
+            <a:endParaRPr lang="en-GB" sz="1800" b="1" dirty="0"/>
           </a:p>
         </p:txBody>
       </p:sp>

--- a/Courses/Applied-Programmer/Programming-Fundamentals/02-Типове-данни/03.Бройни-системи-представяне.pptx
+++ b/Courses/Applied-Programmer/Programming-Fundamentals/02-Типове-данни/03.Бройни-системи-представяне.pptx
@@ -345,7 +345,7 @@
             <a:fld id="{FE5B4EDC-59C0-49C7-8ADA-5A781B329E02}" type="datetimeFigureOut">
               <a:rPr lang="en-US"/>
               <a:pPr/>
-              <a:t>19-Nov-20</a:t>
+              <a:t>21-Nov-20</a:t>
             </a:fld>
             <a:endParaRPr dirty="0"/>
           </a:p>
@@ -643,7 +643,7 @@
             <a:fld id="{F2D8D46A-B586-417D-BFBD-8C8FE0AAF762}" type="datetimeFigureOut">
               <a:rPr lang="en-US" smtClean="0"/>
               <a:pPr/>
-              <a:t>19-Nov-20</a:t>
+              <a:t>21-Nov-20</a:t>
             </a:fld>
             <a:endParaRPr lang="en-US" dirty="0"/>
           </a:p>
@@ -5983,6 +5983,307 @@
   <p:clrMapOvr>
     <a:masterClrMapping/>
   </p:clrMapOvr>
+  <p:timing>
+    <p:tnLst>
+      <p:par>
+        <p:cTn id="1" dur="indefinite" restart="never" nodeType="tmRoot">
+          <p:childTnLst>
+            <p:seq concurrent="1" nextAc="seek">
+              <p:cTn id="2" dur="indefinite" nodeType="mainSeq">
+                <p:childTnLst>
+                  <p:par>
+                    <p:cTn id="3" fill="hold">
+                      <p:stCondLst>
+                        <p:cond delay="indefinite"/>
+                      </p:stCondLst>
+                      <p:childTnLst>
+                        <p:par>
+                          <p:cTn id="4" fill="hold">
+                            <p:stCondLst>
+                              <p:cond delay="0"/>
+                            </p:stCondLst>
+                            <p:childTnLst>
+                              <p:par>
+                                <p:cTn id="5" presetID="1" presetClass="entr" presetSubtype="0" fill="hold" nodeType="clickEffect">
+                                  <p:stCondLst>
+                                    <p:cond delay="0"/>
+                                  </p:stCondLst>
+                                  <p:childTnLst>
+                                    <p:set>
+                                      <p:cBhvr>
+                                        <p:cTn id="6" dur="1" fill="hold">
+                                          <p:stCondLst>
+                                            <p:cond delay="0"/>
+                                          </p:stCondLst>
+                                        </p:cTn>
+                                        <p:tgtEl>
+                                          <p:spTgt spid="5">
+                                            <p:txEl>
+                                              <p:pRg st="1" end="1"/>
+                                            </p:txEl>
+                                          </p:spTgt>
+                                        </p:tgtEl>
+                                        <p:attrNameLst>
+                                          <p:attrName>style.visibility</p:attrName>
+                                        </p:attrNameLst>
+                                      </p:cBhvr>
+                                      <p:to>
+                                        <p:strVal val="visible"/>
+                                      </p:to>
+                                    </p:set>
+                                  </p:childTnLst>
+                                </p:cTn>
+                              </p:par>
+                              <p:par>
+                                <p:cTn id="7" presetID="1" presetClass="entr" presetSubtype="0" fill="hold" nodeType="withEffect">
+                                  <p:stCondLst>
+                                    <p:cond delay="0"/>
+                                  </p:stCondLst>
+                                  <p:childTnLst>
+                                    <p:set>
+                                      <p:cBhvr>
+                                        <p:cTn id="8" dur="1" fill="hold">
+                                          <p:stCondLst>
+                                            <p:cond delay="0"/>
+                                          </p:stCondLst>
+                                        </p:cTn>
+                                        <p:tgtEl>
+                                          <p:spTgt spid="5">
+                                            <p:txEl>
+                                              <p:pRg st="2" end="2"/>
+                                            </p:txEl>
+                                          </p:spTgt>
+                                        </p:tgtEl>
+                                        <p:attrNameLst>
+                                          <p:attrName>style.visibility</p:attrName>
+                                        </p:attrNameLst>
+                                      </p:cBhvr>
+                                      <p:to>
+                                        <p:strVal val="visible"/>
+                                      </p:to>
+                                    </p:set>
+                                  </p:childTnLst>
+                                </p:cTn>
+                              </p:par>
+                              <p:par>
+                                <p:cTn id="9" presetID="1" presetClass="entr" presetSubtype="0" fill="hold" nodeType="withEffect">
+                                  <p:stCondLst>
+                                    <p:cond delay="0"/>
+                                  </p:stCondLst>
+                                  <p:childTnLst>
+                                    <p:set>
+                                      <p:cBhvr>
+                                        <p:cTn id="10" dur="1" fill="hold">
+                                          <p:stCondLst>
+                                            <p:cond delay="0"/>
+                                          </p:stCondLst>
+                                        </p:cTn>
+                                        <p:tgtEl>
+                                          <p:spTgt spid="5">
+                                            <p:txEl>
+                                              <p:pRg st="3" end="3"/>
+                                            </p:txEl>
+                                          </p:spTgt>
+                                        </p:tgtEl>
+                                        <p:attrNameLst>
+                                          <p:attrName>style.visibility</p:attrName>
+                                        </p:attrNameLst>
+                                      </p:cBhvr>
+                                      <p:to>
+                                        <p:strVal val="visible"/>
+                                      </p:to>
+                                    </p:set>
+                                  </p:childTnLst>
+                                </p:cTn>
+                              </p:par>
+                            </p:childTnLst>
+                          </p:cTn>
+                        </p:par>
+                      </p:childTnLst>
+                    </p:cTn>
+                  </p:par>
+                  <p:par>
+                    <p:cTn id="11" fill="hold">
+                      <p:stCondLst>
+                        <p:cond delay="indefinite"/>
+                      </p:stCondLst>
+                      <p:childTnLst>
+                        <p:par>
+                          <p:cTn id="12" fill="hold">
+                            <p:stCondLst>
+                              <p:cond delay="0"/>
+                            </p:stCondLst>
+                            <p:childTnLst>
+                              <p:par>
+                                <p:cTn id="13" presetID="1" presetClass="entr" presetSubtype="0" fill="hold" nodeType="clickEffect">
+                                  <p:stCondLst>
+                                    <p:cond delay="0"/>
+                                  </p:stCondLst>
+                                  <p:childTnLst>
+                                    <p:set>
+                                      <p:cBhvr>
+                                        <p:cTn id="14" dur="1" fill="hold">
+                                          <p:stCondLst>
+                                            <p:cond delay="0"/>
+                                          </p:stCondLst>
+                                        </p:cTn>
+                                        <p:tgtEl>
+                                          <p:spTgt spid="5">
+                                            <p:txEl>
+                                              <p:pRg st="4" end="4"/>
+                                            </p:txEl>
+                                          </p:spTgt>
+                                        </p:tgtEl>
+                                        <p:attrNameLst>
+                                          <p:attrName>style.visibility</p:attrName>
+                                        </p:attrNameLst>
+                                      </p:cBhvr>
+                                      <p:to>
+                                        <p:strVal val="visible"/>
+                                      </p:to>
+                                    </p:set>
+                                  </p:childTnLst>
+                                </p:cTn>
+                              </p:par>
+                              <p:par>
+                                <p:cTn id="15" presetID="1" presetClass="entr" presetSubtype="0" fill="hold" nodeType="withEffect">
+                                  <p:stCondLst>
+                                    <p:cond delay="0"/>
+                                  </p:stCondLst>
+                                  <p:childTnLst>
+                                    <p:set>
+                                      <p:cBhvr>
+                                        <p:cTn id="16" dur="1" fill="hold">
+                                          <p:stCondLst>
+                                            <p:cond delay="0"/>
+                                          </p:stCondLst>
+                                        </p:cTn>
+                                        <p:tgtEl>
+                                          <p:spTgt spid="5">
+                                            <p:txEl>
+                                              <p:pRg st="5" end="5"/>
+                                            </p:txEl>
+                                          </p:spTgt>
+                                        </p:tgtEl>
+                                        <p:attrNameLst>
+                                          <p:attrName>style.visibility</p:attrName>
+                                        </p:attrNameLst>
+                                      </p:cBhvr>
+                                      <p:to>
+                                        <p:strVal val="visible"/>
+                                      </p:to>
+                                    </p:set>
+                                  </p:childTnLst>
+                                </p:cTn>
+                              </p:par>
+                            </p:childTnLst>
+                          </p:cTn>
+                        </p:par>
+                      </p:childTnLst>
+                    </p:cTn>
+                  </p:par>
+                  <p:par>
+                    <p:cTn id="17" fill="hold">
+                      <p:stCondLst>
+                        <p:cond delay="indefinite"/>
+                      </p:stCondLst>
+                      <p:childTnLst>
+                        <p:par>
+                          <p:cTn id="18" fill="hold">
+                            <p:stCondLst>
+                              <p:cond delay="0"/>
+                            </p:stCondLst>
+                            <p:childTnLst>
+                              <p:par>
+                                <p:cTn id="19" presetID="1" presetClass="entr" presetSubtype="0" fill="hold" nodeType="clickEffect">
+                                  <p:stCondLst>
+                                    <p:cond delay="0"/>
+                                  </p:stCondLst>
+                                  <p:childTnLst>
+                                    <p:set>
+                                      <p:cBhvr>
+                                        <p:cTn id="20" dur="1" fill="hold">
+                                          <p:stCondLst>
+                                            <p:cond delay="0"/>
+                                          </p:stCondLst>
+                                        </p:cTn>
+                                        <p:tgtEl>
+                                          <p:spTgt spid="5">
+                                            <p:txEl>
+                                              <p:pRg st="6" end="6"/>
+                                            </p:txEl>
+                                          </p:spTgt>
+                                        </p:tgtEl>
+                                        <p:attrNameLst>
+                                          <p:attrName>style.visibility</p:attrName>
+                                        </p:attrNameLst>
+                                      </p:cBhvr>
+                                      <p:to>
+                                        <p:strVal val="visible"/>
+                                      </p:to>
+                                    </p:set>
+                                  </p:childTnLst>
+                                </p:cTn>
+                              </p:par>
+                              <p:par>
+                                <p:cTn id="21" presetID="1" presetClass="entr" presetSubtype="0" fill="hold" nodeType="withEffect">
+                                  <p:stCondLst>
+                                    <p:cond delay="0"/>
+                                  </p:stCondLst>
+                                  <p:childTnLst>
+                                    <p:set>
+                                      <p:cBhvr>
+                                        <p:cTn id="22" dur="1" fill="hold">
+                                          <p:stCondLst>
+                                            <p:cond delay="0"/>
+                                          </p:stCondLst>
+                                        </p:cTn>
+                                        <p:tgtEl>
+                                          <p:spTgt spid="5">
+                                            <p:txEl>
+                                              <p:pRg st="7" end="7"/>
+                                            </p:txEl>
+                                          </p:spTgt>
+                                        </p:tgtEl>
+                                        <p:attrNameLst>
+                                          <p:attrName>style.visibility</p:attrName>
+                                        </p:attrNameLst>
+                                      </p:cBhvr>
+                                      <p:to>
+                                        <p:strVal val="visible"/>
+                                      </p:to>
+                                    </p:set>
+                                  </p:childTnLst>
+                                </p:cTn>
+                              </p:par>
+                            </p:childTnLst>
+                          </p:cTn>
+                        </p:par>
+                      </p:childTnLst>
+                    </p:cTn>
+                  </p:par>
+                </p:childTnLst>
+              </p:cTn>
+              <p:prevCondLst>
+                <p:cond evt="onPrev" delay="0">
+                  <p:tgtEl>
+                    <p:sldTgt/>
+                  </p:tgtEl>
+                </p:cond>
+              </p:prevCondLst>
+              <p:nextCondLst>
+                <p:cond evt="onNext" delay="0">
+                  <p:tgtEl>
+                    <p:sldTgt/>
+                  </p:tgtEl>
+                </p:cond>
+              </p:nextCondLst>
+            </p:seq>
+          </p:childTnLst>
+        </p:cTn>
+      </p:par>
+    </p:tnLst>
+  </p:timing>
 </p:sld>
 </file>
 
@@ -6372,6 +6673,158 @@
   <p:clrMapOvr>
     <a:masterClrMapping/>
   </p:clrMapOvr>
+  <p:timing>
+    <p:tnLst>
+      <p:par>
+        <p:cTn id="1" dur="indefinite" restart="never" nodeType="tmRoot">
+          <p:childTnLst>
+            <p:seq concurrent="1" nextAc="seek">
+              <p:cTn id="2" dur="indefinite" nodeType="mainSeq">
+                <p:childTnLst>
+                  <p:par>
+                    <p:cTn id="3" fill="hold">
+                      <p:stCondLst>
+                        <p:cond delay="indefinite"/>
+                      </p:stCondLst>
+                      <p:childTnLst>
+                        <p:par>
+                          <p:cTn id="4" fill="hold">
+                            <p:stCondLst>
+                              <p:cond delay="0"/>
+                            </p:stCondLst>
+                            <p:childTnLst>
+                              <p:par>
+                                <p:cTn id="5" presetID="1" presetClass="entr" presetSubtype="0" fill="hold" grpId="0" nodeType="clickEffect">
+                                  <p:stCondLst>
+                                    <p:cond delay="0"/>
+                                  </p:stCondLst>
+                                  <p:childTnLst>
+                                    <p:set>
+                                      <p:cBhvr>
+                                        <p:cTn id="6" dur="1" fill="hold">
+                                          <p:stCondLst>
+                                            <p:cond delay="0"/>
+                                          </p:stCondLst>
+                                        </p:cTn>
+                                        <p:tgtEl>
+                                          <p:spTgt spid="2"/>
+                                        </p:tgtEl>
+                                        <p:attrNameLst>
+                                          <p:attrName>style.visibility</p:attrName>
+                                        </p:attrNameLst>
+                                      </p:cBhvr>
+                                      <p:to>
+                                        <p:strVal val="visible"/>
+                                      </p:to>
+                                    </p:set>
+                                  </p:childTnLst>
+                                </p:cTn>
+                              </p:par>
+                            </p:childTnLst>
+                          </p:cTn>
+                        </p:par>
+                      </p:childTnLst>
+                    </p:cTn>
+                  </p:par>
+                  <p:par>
+                    <p:cTn id="7" fill="hold">
+                      <p:stCondLst>
+                        <p:cond delay="indefinite"/>
+                      </p:stCondLst>
+                      <p:childTnLst>
+                        <p:par>
+                          <p:cTn id="8" fill="hold">
+                            <p:stCondLst>
+                              <p:cond delay="0"/>
+                            </p:stCondLst>
+                            <p:childTnLst>
+                              <p:par>
+                                <p:cTn id="9" presetID="1" presetClass="entr" presetSubtype="0" fill="hold" grpId="0" nodeType="clickEffect">
+                                  <p:stCondLst>
+                                    <p:cond delay="0"/>
+                                  </p:stCondLst>
+                                  <p:childTnLst>
+                                    <p:set>
+                                      <p:cBhvr>
+                                        <p:cTn id="10" dur="1" fill="hold">
+                                          <p:stCondLst>
+                                            <p:cond delay="0"/>
+                                          </p:stCondLst>
+                                        </p:cTn>
+                                        <p:tgtEl>
+                                          <p:spTgt spid="12"/>
+                                        </p:tgtEl>
+                                        <p:attrNameLst>
+                                          <p:attrName>style.visibility</p:attrName>
+                                        </p:attrNameLst>
+                                      </p:cBhvr>
+                                      <p:to>
+                                        <p:strVal val="visible"/>
+                                      </p:to>
+                                    </p:set>
+                                  </p:childTnLst>
+                                </p:cTn>
+                              </p:par>
+                              <p:par>
+                                <p:cTn id="11" presetID="1" presetClass="entr" presetSubtype="0" fill="hold" grpId="0" nodeType="withEffect">
+                                  <p:stCondLst>
+                                    <p:cond delay="0"/>
+                                  </p:stCondLst>
+                                  <p:childTnLst>
+                                    <p:set>
+                                      <p:cBhvr>
+                                        <p:cTn id="12" dur="1" fill="hold">
+                                          <p:stCondLst>
+                                            <p:cond delay="0"/>
+                                          </p:stCondLst>
+                                        </p:cTn>
+                                        <p:tgtEl>
+                                          <p:spTgt spid="3"/>
+                                        </p:tgtEl>
+                                        <p:attrNameLst>
+                                          <p:attrName>style.visibility</p:attrName>
+                                        </p:attrNameLst>
+                                      </p:cBhvr>
+                                      <p:to>
+                                        <p:strVal val="visible"/>
+                                      </p:to>
+                                    </p:set>
+                                  </p:childTnLst>
+                                </p:cTn>
+                              </p:par>
+                            </p:childTnLst>
+                          </p:cTn>
+                        </p:par>
+                      </p:childTnLst>
+                    </p:cTn>
+                  </p:par>
+                </p:childTnLst>
+              </p:cTn>
+              <p:prevCondLst>
+                <p:cond evt="onPrev" delay="0">
+                  <p:tgtEl>
+                    <p:sldTgt/>
+                  </p:tgtEl>
+                </p:cond>
+              </p:prevCondLst>
+              <p:nextCondLst>
+                <p:cond evt="onNext" delay="0">
+                  <p:tgtEl>
+                    <p:sldTgt/>
+                  </p:tgtEl>
+                </p:cond>
+              </p:nextCondLst>
+            </p:seq>
+          </p:childTnLst>
+        </p:cTn>
+      </p:par>
+    </p:tnLst>
+    <p:bldLst>
+      <p:bldP spid="2" grpId="0"/>
+      <p:bldP spid="3" grpId="0"/>
+      <p:bldP spid="12" grpId="0" animBg="1"/>
+    </p:bldLst>
+  </p:timing>
 </p:sld>
 </file>
 
@@ -6854,6 +7307,182 @@
   <p:clrMapOvr>
     <a:masterClrMapping/>
   </p:clrMapOvr>
+  <p:timing>
+    <p:tnLst>
+      <p:par>
+        <p:cTn id="1" dur="indefinite" restart="never" nodeType="tmRoot">
+          <p:childTnLst>
+            <p:seq concurrent="1" nextAc="seek">
+              <p:cTn id="2" dur="indefinite" nodeType="mainSeq">
+                <p:childTnLst>
+                  <p:par>
+                    <p:cTn id="3" fill="hold">
+                      <p:stCondLst>
+                        <p:cond delay="indefinite"/>
+                      </p:stCondLst>
+                      <p:childTnLst>
+                        <p:par>
+                          <p:cTn id="4" fill="hold">
+                            <p:stCondLst>
+                              <p:cond delay="0"/>
+                            </p:stCondLst>
+                            <p:childTnLst>
+                              <p:par>
+                                <p:cTn id="5" presetID="1" presetClass="entr" presetSubtype="0" fill="hold" nodeType="clickEffect">
+                                  <p:stCondLst>
+                                    <p:cond delay="0"/>
+                                  </p:stCondLst>
+                                  <p:childTnLst>
+                                    <p:set>
+                                      <p:cBhvr>
+                                        <p:cTn id="6" dur="1" fill="hold">
+                                          <p:stCondLst>
+                                            <p:cond delay="0"/>
+                                          </p:stCondLst>
+                                        </p:cTn>
+                                        <p:tgtEl>
+                                          <p:spTgt spid="5">
+                                            <p:txEl>
+                                              <p:pRg st="1" end="1"/>
+                                            </p:txEl>
+                                          </p:spTgt>
+                                        </p:tgtEl>
+                                        <p:attrNameLst>
+                                          <p:attrName>style.visibility</p:attrName>
+                                        </p:attrNameLst>
+                                      </p:cBhvr>
+                                      <p:to>
+                                        <p:strVal val="visible"/>
+                                      </p:to>
+                                    </p:set>
+                                  </p:childTnLst>
+                                </p:cTn>
+                              </p:par>
+                            </p:childTnLst>
+                          </p:cTn>
+                        </p:par>
+                      </p:childTnLst>
+                    </p:cTn>
+                  </p:par>
+                  <p:par>
+                    <p:cTn id="7" fill="hold">
+                      <p:stCondLst>
+                        <p:cond delay="indefinite"/>
+                      </p:stCondLst>
+                      <p:childTnLst>
+                        <p:par>
+                          <p:cTn id="8" fill="hold">
+                            <p:stCondLst>
+                              <p:cond delay="0"/>
+                            </p:stCondLst>
+                            <p:childTnLst>
+                              <p:par>
+                                <p:cTn id="9" presetID="1" presetClass="entr" presetSubtype="0" fill="hold" nodeType="clickEffect">
+                                  <p:stCondLst>
+                                    <p:cond delay="0"/>
+                                  </p:stCondLst>
+                                  <p:childTnLst>
+                                    <p:set>
+                                      <p:cBhvr>
+                                        <p:cTn id="10" dur="1" fill="hold">
+                                          <p:stCondLst>
+                                            <p:cond delay="0"/>
+                                          </p:stCondLst>
+                                        </p:cTn>
+                                        <p:tgtEl>
+                                          <p:spTgt spid="5">
+                                            <p:txEl>
+                                              <p:pRg st="2" end="2"/>
+                                            </p:txEl>
+                                          </p:spTgt>
+                                        </p:tgtEl>
+                                        <p:attrNameLst>
+                                          <p:attrName>style.visibility</p:attrName>
+                                        </p:attrNameLst>
+                                      </p:cBhvr>
+                                      <p:to>
+                                        <p:strVal val="visible"/>
+                                      </p:to>
+                                    </p:set>
+                                  </p:childTnLst>
+                                </p:cTn>
+                              </p:par>
+                            </p:childTnLst>
+                          </p:cTn>
+                        </p:par>
+                      </p:childTnLst>
+                    </p:cTn>
+                  </p:par>
+                  <p:par>
+                    <p:cTn id="11" fill="hold">
+                      <p:stCondLst>
+                        <p:cond delay="indefinite"/>
+                      </p:stCondLst>
+                      <p:childTnLst>
+                        <p:par>
+                          <p:cTn id="12" fill="hold">
+                            <p:stCondLst>
+                              <p:cond delay="0"/>
+                            </p:stCondLst>
+                            <p:childTnLst>
+                              <p:par>
+                                <p:cTn id="13" presetID="1" presetClass="entr" presetSubtype="0" fill="hold" grpId="0" nodeType="clickEffect">
+                                  <p:stCondLst>
+                                    <p:cond delay="0"/>
+                                  </p:stCondLst>
+                                  <p:childTnLst>
+                                    <p:set>
+                                      <p:cBhvr>
+                                        <p:cTn id="14" dur="1" fill="hold">
+                                          <p:stCondLst>
+                                            <p:cond delay="0"/>
+                                          </p:stCondLst>
+                                        </p:cTn>
+                                        <p:tgtEl>
+                                          <p:spTgt spid="2"/>
+                                        </p:tgtEl>
+                                        <p:attrNameLst>
+                                          <p:attrName>style.visibility</p:attrName>
+                                        </p:attrNameLst>
+                                      </p:cBhvr>
+                                      <p:to>
+                                        <p:strVal val="visible"/>
+                                      </p:to>
+                                    </p:set>
+                                  </p:childTnLst>
+                                </p:cTn>
+                              </p:par>
+                            </p:childTnLst>
+                          </p:cTn>
+                        </p:par>
+                      </p:childTnLst>
+                    </p:cTn>
+                  </p:par>
+                </p:childTnLst>
+              </p:cTn>
+              <p:prevCondLst>
+                <p:cond evt="onPrev" delay="0">
+                  <p:tgtEl>
+                    <p:sldTgt/>
+                  </p:tgtEl>
+                </p:cond>
+              </p:prevCondLst>
+              <p:nextCondLst>
+                <p:cond evt="onNext" delay="0">
+                  <p:tgtEl>
+                    <p:sldTgt/>
+                  </p:tgtEl>
+                </p:cond>
+              </p:nextCondLst>
+            </p:seq>
+          </p:childTnLst>
+        </p:cTn>
+      </p:par>
+    </p:tnLst>
+    <p:bldLst>
+      <p:bldP spid="2" grpId="0"/>
+    </p:bldLst>
+  </p:timing>
 </p:sld>
 </file>
 
@@ -7358,6 +7987,183 @@
   <p:clrMapOvr>
     <a:masterClrMapping/>
   </p:clrMapOvr>
+  <p:timing>
+    <p:tnLst>
+      <p:par>
+        <p:cTn id="1" dur="indefinite" restart="never" nodeType="tmRoot">
+          <p:childTnLst>
+            <p:seq concurrent="1" nextAc="seek">
+              <p:cTn id="2" dur="indefinite" nodeType="mainSeq">
+                <p:childTnLst>
+                  <p:par>
+                    <p:cTn id="3" fill="hold">
+                      <p:stCondLst>
+                        <p:cond delay="indefinite"/>
+                      </p:stCondLst>
+                      <p:childTnLst>
+                        <p:par>
+                          <p:cTn id="4" fill="hold">
+                            <p:stCondLst>
+                              <p:cond delay="0"/>
+                            </p:stCondLst>
+                            <p:childTnLst>
+                              <p:par>
+                                <p:cTn id="5" presetID="1" presetClass="entr" presetSubtype="0" fill="hold" nodeType="clickEffect">
+                                  <p:stCondLst>
+                                    <p:cond delay="0"/>
+                                  </p:stCondLst>
+                                  <p:childTnLst>
+                                    <p:set>
+                                      <p:cBhvr>
+                                        <p:cTn id="6" dur="1" fill="hold">
+                                          <p:stCondLst>
+                                            <p:cond delay="0"/>
+                                          </p:stCondLst>
+                                        </p:cTn>
+                                        <p:tgtEl>
+                                          <p:spTgt spid="5">
+                                            <p:txEl>
+                                              <p:pRg st="1" end="1"/>
+                                            </p:txEl>
+                                          </p:spTgt>
+                                        </p:tgtEl>
+                                        <p:attrNameLst>
+                                          <p:attrName>style.visibility</p:attrName>
+                                        </p:attrNameLst>
+                                      </p:cBhvr>
+                                      <p:to>
+                                        <p:strVal val="visible"/>
+                                      </p:to>
+                                    </p:set>
+                                  </p:childTnLst>
+                                </p:cTn>
+                              </p:par>
+                            </p:childTnLst>
+                          </p:cTn>
+                        </p:par>
+                      </p:childTnLst>
+                    </p:cTn>
+                  </p:par>
+                  <p:par>
+                    <p:cTn id="7" fill="hold">
+                      <p:stCondLst>
+                        <p:cond delay="indefinite"/>
+                      </p:stCondLst>
+                      <p:childTnLst>
+                        <p:par>
+                          <p:cTn id="8" fill="hold">
+                            <p:stCondLst>
+                              <p:cond delay="0"/>
+                            </p:stCondLst>
+                            <p:childTnLst>
+                              <p:par>
+                                <p:cTn id="9" presetID="1" presetClass="entr" presetSubtype="0" fill="hold" nodeType="clickEffect">
+                                  <p:stCondLst>
+                                    <p:cond delay="0"/>
+                                  </p:stCondLst>
+                                  <p:childTnLst>
+                                    <p:set>
+                                      <p:cBhvr>
+                                        <p:cTn id="10" dur="1" fill="hold">
+                                          <p:stCondLst>
+                                            <p:cond delay="0"/>
+                                          </p:stCondLst>
+                                        </p:cTn>
+                                        <p:tgtEl>
+                                          <p:spTgt spid="5">
+                                            <p:txEl>
+                                              <p:pRg st="2" end="2"/>
+                                            </p:txEl>
+                                          </p:spTgt>
+                                        </p:tgtEl>
+                                        <p:attrNameLst>
+                                          <p:attrName>style.visibility</p:attrName>
+                                        </p:attrNameLst>
+                                      </p:cBhvr>
+                                      <p:to>
+                                        <p:strVal val="visible"/>
+                                      </p:to>
+                                    </p:set>
+                                  </p:childTnLst>
+                                </p:cTn>
+                              </p:par>
+                            </p:childTnLst>
+                          </p:cTn>
+                        </p:par>
+                      </p:childTnLst>
+                    </p:cTn>
+                  </p:par>
+                  <p:par>
+                    <p:cTn id="11" fill="hold">
+                      <p:stCondLst>
+                        <p:cond delay="indefinite"/>
+                      </p:stCondLst>
+                      <p:childTnLst>
+                        <p:par>
+                          <p:cTn id="12" fill="hold">
+                            <p:stCondLst>
+                              <p:cond delay="0"/>
+                            </p:stCondLst>
+                            <p:childTnLst>
+                              <p:par>
+                                <p:cTn id="13" presetID="1" presetClass="entr" presetSubtype="0" fill="hold" nodeType="clickEffect">
+                                  <p:stCondLst>
+                                    <p:cond delay="0"/>
+                                  </p:stCondLst>
+                                  <p:childTnLst>
+                                    <p:set>
+                                      <p:cBhvr>
+                                        <p:cTn id="14" dur="1" fill="hold">
+                                          <p:stCondLst>
+                                            <p:cond delay="0"/>
+                                          </p:stCondLst>
+                                        </p:cTn>
+                                        <p:tgtEl>
+                                          <p:spTgt spid="5">
+                                            <p:txEl>
+                                              <p:pRg st="3" end="3"/>
+                                            </p:txEl>
+                                          </p:spTgt>
+                                        </p:tgtEl>
+                                        <p:attrNameLst>
+                                          <p:attrName>style.visibility</p:attrName>
+                                        </p:attrNameLst>
+                                      </p:cBhvr>
+                                      <p:to>
+                                        <p:strVal val="visible"/>
+                                      </p:to>
+                                    </p:set>
+                                  </p:childTnLst>
+                                </p:cTn>
+                              </p:par>
+                            </p:childTnLst>
+                          </p:cTn>
+                        </p:par>
+                      </p:childTnLst>
+                    </p:cTn>
+                  </p:par>
+                </p:childTnLst>
+              </p:cTn>
+              <p:prevCondLst>
+                <p:cond evt="onPrev" delay="0">
+                  <p:tgtEl>
+                    <p:sldTgt/>
+                  </p:tgtEl>
+                </p:cond>
+              </p:prevCondLst>
+              <p:nextCondLst>
+                <p:cond evt="onNext" delay="0">
+                  <p:tgtEl>
+                    <p:sldTgt/>
+                  </p:tgtEl>
+                </p:cond>
+              </p:nextCondLst>
+            </p:seq>
+          </p:childTnLst>
+        </p:cTn>
+      </p:par>
+    </p:tnLst>
+  </p:timing>
 </p:sld>
 </file>
 
@@ -8430,6 +9236,165 @@
   <p:clrMapOvr>
     <a:masterClrMapping/>
   </p:clrMapOvr>
+  <p:timing>
+    <p:tnLst>
+      <p:par>
+        <p:cTn id="1" dur="indefinite" restart="never" nodeType="tmRoot">
+          <p:childTnLst>
+            <p:seq concurrent="1" nextAc="seek">
+              <p:cTn id="2" dur="indefinite" nodeType="mainSeq">
+                <p:childTnLst>
+                  <p:par>
+                    <p:cTn id="3" fill="hold">
+                      <p:stCondLst>
+                        <p:cond delay="indefinite"/>
+                      </p:stCondLst>
+                      <p:childTnLst>
+                        <p:par>
+                          <p:cTn id="4" fill="hold">
+                            <p:stCondLst>
+                              <p:cond delay="0"/>
+                            </p:stCondLst>
+                            <p:childTnLst>
+                              <p:par>
+                                <p:cTn id="5" presetID="1" presetClass="entr" presetSubtype="0" fill="hold" nodeType="clickEffect">
+                                  <p:stCondLst>
+                                    <p:cond delay="0"/>
+                                  </p:stCondLst>
+                                  <p:childTnLst>
+                                    <p:set>
+                                      <p:cBhvr>
+                                        <p:cTn id="6" dur="1" fill="hold">
+                                          <p:stCondLst>
+                                            <p:cond delay="0"/>
+                                          </p:stCondLst>
+                                        </p:cTn>
+                                        <p:tgtEl>
+                                          <p:spTgt spid="7">
+                                            <p:txEl>
+                                              <p:pRg st="1" end="1"/>
+                                            </p:txEl>
+                                          </p:spTgt>
+                                        </p:tgtEl>
+                                        <p:attrNameLst>
+                                          <p:attrName>style.visibility</p:attrName>
+                                        </p:attrNameLst>
+                                      </p:cBhvr>
+                                      <p:to>
+                                        <p:strVal val="visible"/>
+                                      </p:to>
+                                    </p:set>
+                                  </p:childTnLst>
+                                </p:cTn>
+                              </p:par>
+                            </p:childTnLst>
+                          </p:cTn>
+                        </p:par>
+                      </p:childTnLst>
+                    </p:cTn>
+                  </p:par>
+                  <p:par>
+                    <p:cTn id="7" fill="hold">
+                      <p:stCondLst>
+                        <p:cond delay="indefinite"/>
+                      </p:stCondLst>
+                      <p:childTnLst>
+                        <p:par>
+                          <p:cTn id="8" fill="hold">
+                            <p:stCondLst>
+                              <p:cond delay="0"/>
+                            </p:stCondLst>
+                            <p:childTnLst>
+                              <p:par>
+                                <p:cTn id="9" presetID="1" presetClass="entr" presetSubtype="0" fill="hold" nodeType="clickEffect">
+                                  <p:stCondLst>
+                                    <p:cond delay="0"/>
+                                  </p:stCondLst>
+                                  <p:childTnLst>
+                                    <p:set>
+                                      <p:cBhvr>
+                                        <p:cTn id="10" dur="1" fill="hold">
+                                          <p:stCondLst>
+                                            <p:cond delay="0"/>
+                                          </p:stCondLst>
+                                        </p:cTn>
+                                        <p:tgtEl>
+                                          <p:spTgt spid="7">
+                                            <p:txEl>
+                                              <p:pRg st="2" end="2"/>
+                                            </p:txEl>
+                                          </p:spTgt>
+                                        </p:tgtEl>
+                                        <p:attrNameLst>
+                                          <p:attrName>style.visibility</p:attrName>
+                                        </p:attrNameLst>
+                                      </p:cBhvr>
+                                      <p:to>
+                                        <p:strVal val="visible"/>
+                                      </p:to>
+                                    </p:set>
+                                  </p:childTnLst>
+                                </p:cTn>
+                              </p:par>
+                              <p:par>
+                                <p:cTn id="11" presetID="1" presetClass="entr" presetSubtype="0" fill="hold" nodeType="withEffect">
+                                  <p:stCondLst>
+                                    <p:cond delay="0"/>
+                                  </p:stCondLst>
+                                  <p:childTnLst>
+                                    <p:set>
+                                      <p:cBhvr>
+                                        <p:cTn id="12" dur="1" fill="hold">
+                                          <p:stCondLst>
+                                            <p:cond delay="0"/>
+                                          </p:stCondLst>
+                                        </p:cTn>
+                                        <p:tgtEl>
+                                          <p:spTgt spid="7">
+                                            <p:txEl>
+                                              <p:pRg st="3" end="3"/>
+                                            </p:txEl>
+                                          </p:spTgt>
+                                        </p:tgtEl>
+                                        <p:attrNameLst>
+                                          <p:attrName>style.visibility</p:attrName>
+                                        </p:attrNameLst>
+                                      </p:cBhvr>
+                                      <p:to>
+                                        <p:strVal val="visible"/>
+                                      </p:to>
+                                    </p:set>
+                                  </p:childTnLst>
+                                </p:cTn>
+                              </p:par>
+                            </p:childTnLst>
+                          </p:cTn>
+                        </p:par>
+                      </p:childTnLst>
+                    </p:cTn>
+                  </p:par>
+                </p:childTnLst>
+              </p:cTn>
+              <p:prevCondLst>
+                <p:cond evt="onPrev" delay="0">
+                  <p:tgtEl>
+                    <p:sldTgt/>
+                  </p:tgtEl>
+                </p:cond>
+              </p:prevCondLst>
+              <p:nextCondLst>
+                <p:cond evt="onNext" delay="0">
+                  <p:tgtEl>
+                    <p:sldTgt/>
+                  </p:tgtEl>
+                </p:cond>
+              </p:nextCondLst>
+            </p:seq>
+          </p:childTnLst>
+        </p:cTn>
+      </p:par>
+    </p:tnLst>
+  </p:timing>
 </p:sld>
 </file>
 
@@ -9639,6 +10604,281 @@
   <p:clrMapOvr>
     <a:masterClrMapping/>
   </p:clrMapOvr>
+  <p:timing>
+    <p:tnLst>
+      <p:par>
+        <p:cTn id="1" dur="indefinite" restart="never" nodeType="tmRoot">
+          <p:childTnLst>
+            <p:seq concurrent="1" nextAc="seek">
+              <p:cTn id="2" dur="indefinite" nodeType="mainSeq">
+                <p:childTnLst>
+                  <p:par>
+                    <p:cTn id="3" fill="hold">
+                      <p:stCondLst>
+                        <p:cond delay="indefinite"/>
+                      </p:stCondLst>
+                      <p:childTnLst>
+                        <p:par>
+                          <p:cTn id="4" fill="hold">
+                            <p:stCondLst>
+                              <p:cond delay="0"/>
+                            </p:stCondLst>
+                            <p:childTnLst>
+                              <p:par>
+                                <p:cTn id="5" presetID="1" presetClass="entr" presetSubtype="0" fill="hold" nodeType="clickEffect">
+                                  <p:stCondLst>
+                                    <p:cond delay="0"/>
+                                  </p:stCondLst>
+                                  <p:childTnLst>
+                                    <p:set>
+                                      <p:cBhvr>
+                                        <p:cTn id="6" dur="1" fill="hold">
+                                          <p:stCondLst>
+                                            <p:cond delay="0"/>
+                                          </p:stCondLst>
+                                        </p:cTn>
+                                        <p:tgtEl>
+                                          <p:spTgt spid="5">
+                                            <p:txEl>
+                                              <p:pRg st="1" end="1"/>
+                                            </p:txEl>
+                                          </p:spTgt>
+                                        </p:tgtEl>
+                                        <p:attrNameLst>
+                                          <p:attrName>style.visibility</p:attrName>
+                                        </p:attrNameLst>
+                                      </p:cBhvr>
+                                      <p:to>
+                                        <p:strVal val="visible"/>
+                                      </p:to>
+                                    </p:set>
+                                  </p:childTnLst>
+                                </p:cTn>
+                              </p:par>
+                            </p:childTnLst>
+                          </p:cTn>
+                        </p:par>
+                      </p:childTnLst>
+                    </p:cTn>
+                  </p:par>
+                  <p:par>
+                    <p:cTn id="7" fill="hold">
+                      <p:stCondLst>
+                        <p:cond delay="indefinite"/>
+                      </p:stCondLst>
+                      <p:childTnLst>
+                        <p:par>
+                          <p:cTn id="8" fill="hold">
+                            <p:stCondLst>
+                              <p:cond delay="0"/>
+                            </p:stCondLst>
+                            <p:childTnLst>
+                              <p:par>
+                                <p:cTn id="9" presetID="1" presetClass="entr" presetSubtype="0" fill="hold" nodeType="clickEffect">
+                                  <p:stCondLst>
+                                    <p:cond delay="0"/>
+                                  </p:stCondLst>
+                                  <p:childTnLst>
+                                    <p:set>
+                                      <p:cBhvr>
+                                        <p:cTn id="10" dur="1" fill="hold">
+                                          <p:stCondLst>
+                                            <p:cond delay="0"/>
+                                          </p:stCondLst>
+                                        </p:cTn>
+                                        <p:tgtEl>
+                                          <p:spTgt spid="5">
+                                            <p:txEl>
+                                              <p:pRg st="2" end="2"/>
+                                            </p:txEl>
+                                          </p:spTgt>
+                                        </p:tgtEl>
+                                        <p:attrNameLst>
+                                          <p:attrName>style.visibility</p:attrName>
+                                        </p:attrNameLst>
+                                      </p:cBhvr>
+                                      <p:to>
+                                        <p:strVal val="visible"/>
+                                      </p:to>
+                                    </p:set>
+                                  </p:childTnLst>
+                                </p:cTn>
+                              </p:par>
+                            </p:childTnLst>
+                          </p:cTn>
+                        </p:par>
+                      </p:childTnLst>
+                    </p:cTn>
+                  </p:par>
+                  <p:par>
+                    <p:cTn id="11" fill="hold">
+                      <p:stCondLst>
+                        <p:cond delay="indefinite"/>
+                      </p:stCondLst>
+                      <p:childTnLst>
+                        <p:par>
+                          <p:cTn id="12" fill="hold">
+                            <p:stCondLst>
+                              <p:cond delay="0"/>
+                            </p:stCondLst>
+                            <p:childTnLst>
+                              <p:par>
+                                <p:cTn id="13" presetID="1" presetClass="entr" presetSubtype="0" fill="hold" nodeType="clickEffect">
+                                  <p:stCondLst>
+                                    <p:cond delay="0"/>
+                                  </p:stCondLst>
+                                  <p:childTnLst>
+                                    <p:set>
+                                      <p:cBhvr>
+                                        <p:cTn id="14" dur="1" fill="hold">
+                                          <p:stCondLst>
+                                            <p:cond delay="0"/>
+                                          </p:stCondLst>
+                                        </p:cTn>
+                                        <p:tgtEl>
+                                          <p:spTgt spid="5">
+                                            <p:txEl>
+                                              <p:pRg st="3" end="3"/>
+                                            </p:txEl>
+                                          </p:spTgt>
+                                        </p:tgtEl>
+                                        <p:attrNameLst>
+                                          <p:attrName>style.visibility</p:attrName>
+                                        </p:attrNameLst>
+                                      </p:cBhvr>
+                                      <p:to>
+                                        <p:strVal val="visible"/>
+                                      </p:to>
+                                    </p:set>
+                                  </p:childTnLst>
+                                </p:cTn>
+                              </p:par>
+                            </p:childTnLst>
+                          </p:cTn>
+                        </p:par>
+                      </p:childTnLst>
+                    </p:cTn>
+                  </p:par>
+                  <p:par>
+                    <p:cTn id="15" fill="hold">
+                      <p:stCondLst>
+                        <p:cond delay="indefinite"/>
+                      </p:stCondLst>
+                      <p:childTnLst>
+                        <p:par>
+                          <p:cTn id="16" fill="hold">
+                            <p:stCondLst>
+                              <p:cond delay="0"/>
+                            </p:stCondLst>
+                            <p:childTnLst>
+                              <p:par>
+                                <p:cTn id="17" presetID="1" presetClass="entr" presetSubtype="0" fill="hold" nodeType="clickEffect">
+                                  <p:stCondLst>
+                                    <p:cond delay="0"/>
+                                  </p:stCondLst>
+                                  <p:childTnLst>
+                                    <p:set>
+                                      <p:cBhvr>
+                                        <p:cTn id="18" dur="1" fill="hold">
+                                          <p:stCondLst>
+                                            <p:cond delay="0"/>
+                                          </p:stCondLst>
+                                        </p:cTn>
+                                        <p:tgtEl>
+                                          <p:spTgt spid="5">
+                                            <p:txEl>
+                                              <p:pRg st="4" end="4"/>
+                                            </p:txEl>
+                                          </p:spTgt>
+                                        </p:tgtEl>
+                                        <p:attrNameLst>
+                                          <p:attrName>style.visibility</p:attrName>
+                                        </p:attrNameLst>
+                                      </p:cBhvr>
+                                      <p:to>
+                                        <p:strVal val="visible"/>
+                                      </p:to>
+                                    </p:set>
+                                  </p:childTnLst>
+                                </p:cTn>
+                              </p:par>
+                            </p:childTnLst>
+                          </p:cTn>
+                        </p:par>
+                      </p:childTnLst>
+                    </p:cTn>
+                  </p:par>
+                  <p:par>
+                    <p:cTn id="19" fill="hold">
+                      <p:stCondLst>
+                        <p:cond delay="indefinite"/>
+                      </p:stCondLst>
+                      <p:childTnLst>
+                        <p:par>
+                          <p:cTn id="20" fill="hold">
+                            <p:stCondLst>
+                              <p:cond delay="0"/>
+                            </p:stCondLst>
+                            <p:childTnLst>
+                              <p:par>
+                                <p:cTn id="21" presetID="1" presetClass="entr" presetSubtype="0" fill="hold" nodeType="clickEffect">
+                                  <p:stCondLst>
+                                    <p:cond delay="0"/>
+                                  </p:stCondLst>
+                                  <p:childTnLst>
+                                    <p:set>
+                                      <p:cBhvr>
+                                        <p:cTn id="22" dur="1" fill="hold">
+                                          <p:stCondLst>
+                                            <p:cond delay="0"/>
+                                          </p:stCondLst>
+                                        </p:cTn>
+                                        <p:tgtEl>
+                                          <p:spTgt spid="5">
+                                            <p:txEl>
+                                              <p:pRg st="5" end="5"/>
+                                            </p:txEl>
+                                          </p:spTgt>
+                                        </p:tgtEl>
+                                        <p:attrNameLst>
+                                          <p:attrName>style.visibility</p:attrName>
+                                        </p:attrNameLst>
+                                      </p:cBhvr>
+                                      <p:to>
+                                        <p:strVal val="visible"/>
+                                      </p:to>
+                                    </p:set>
+                                  </p:childTnLst>
+                                </p:cTn>
+                              </p:par>
+                            </p:childTnLst>
+                          </p:cTn>
+                        </p:par>
+                      </p:childTnLst>
+                    </p:cTn>
+                  </p:par>
+                </p:childTnLst>
+              </p:cTn>
+              <p:prevCondLst>
+                <p:cond evt="onPrev" delay="0">
+                  <p:tgtEl>
+                    <p:sldTgt/>
+                  </p:tgtEl>
+                </p:cond>
+              </p:prevCondLst>
+              <p:nextCondLst>
+                <p:cond evt="onNext" delay="0">
+                  <p:tgtEl>
+                    <p:sldTgt/>
+                  </p:tgtEl>
+                </p:cond>
+              </p:nextCondLst>
+            </p:seq>
+          </p:childTnLst>
+        </p:cTn>
+      </p:par>
+    </p:tnLst>
+  </p:timing>
 </p:sld>
 </file>
 
@@ -10603,9 +11843,6 @@
                     <p:cTn id="3" fill="hold">
                       <p:stCondLst>
                         <p:cond delay="indefinite"/>
-                        <p:cond evt="onBegin" delay="0">
-                          <p:tn val="2"/>
-                        </p:cond>
                       </p:stCondLst>
                       <p:childTnLst>
                         <p:par>
@@ -10615,7 +11852,7 @@
                             </p:stCondLst>
                             <p:childTnLst>
                               <p:par>
-                                <p:cTn id="5" presetID="1" presetClass="entr" presetSubtype="0" fill="hold" grpId="0" nodeType="afterEffect">
+                                <p:cTn id="5" presetID="1" presetClass="entr" presetSubtype="0" fill="hold" nodeType="clickEffect">
                                   <p:stCondLst>
                                     <p:cond delay="0"/>
                                   </p:stCondLst>
@@ -10623,6 +11860,46 @@
                                     <p:set>
                                       <p:cBhvr>
                                         <p:cTn id="6" dur="1" fill="hold">
+                                          <p:stCondLst>
+                                            <p:cond delay="0"/>
+                                          </p:stCondLst>
+                                        </p:cTn>
+                                        <p:tgtEl>
+                                          <p:spTgt spid="5">
+                                            <p:txEl>
+                                              <p:pRg st="1" end="1"/>
+                                            </p:txEl>
+                                          </p:spTgt>
+                                        </p:tgtEl>
+                                        <p:attrNameLst>
+                                          <p:attrName>style.visibility</p:attrName>
+                                        </p:attrNameLst>
+                                      </p:cBhvr>
+                                      <p:to>
+                                        <p:strVal val="visible"/>
+                                      </p:to>
+                                    </p:set>
+                                  </p:childTnLst>
+                                </p:cTn>
+                              </p:par>
+                            </p:childTnLst>
+                          </p:cTn>
+                        </p:par>
+                        <p:par>
+                          <p:cTn id="7" fill="hold">
+                            <p:stCondLst>
+                              <p:cond delay="0"/>
+                            </p:stCondLst>
+                            <p:childTnLst>
+                              <p:par>
+                                <p:cTn id="8" presetID="1" presetClass="entr" presetSubtype="0" fill="hold" grpId="0" nodeType="afterEffect">
+                                  <p:stCondLst>
+                                    <p:cond delay="0"/>
+                                  </p:stCondLst>
+                                  <p:childTnLst>
+                                    <p:set>
+                                      <p:cBhvr>
+                                        <p:cTn id="9" dur="1" fill="hold">
                                           <p:stCondLst>
                                             <p:cond delay="0"/>
                                           </p:stCondLst>
@@ -10648,47 +11925,11 @@
                     </p:cTn>
                   </p:par>
                   <p:par>
-                    <p:cTn id="7" fill="hold">
+                    <p:cTn id="10" fill="hold">
                       <p:stCondLst>
                         <p:cond delay="indefinite"/>
                       </p:stCondLst>
                       <p:childTnLst>
-                        <p:par>
-                          <p:cTn id="8" fill="hold">
-                            <p:stCondLst>
-                              <p:cond delay="0"/>
-                            </p:stCondLst>
-                            <p:childTnLst>
-                              <p:par>
-                                <p:cTn id="9" presetID="1" presetClass="entr" presetSubtype="0" fill="hold" nodeType="clickEffect">
-                                  <p:stCondLst>
-                                    <p:cond delay="0"/>
-                                  </p:stCondLst>
-                                  <p:childTnLst>
-                                    <p:set>
-                                      <p:cBhvr>
-                                        <p:cTn id="10" dur="1" fill="hold">
-                                          <p:stCondLst>
-                                            <p:cond delay="0"/>
-                                          </p:stCondLst>
-                                        </p:cTn>
-                                        <p:tgtEl>
-                                          <p:spTgt spid="10"/>
-                                        </p:tgtEl>
-                                        <p:attrNameLst>
-                                          <p:attrName>style.visibility</p:attrName>
-                                        </p:attrNameLst>
-                                      </p:cBhvr>
-                                      <p:to>
-                                        <p:strVal val="visible"/>
-                                      </p:to>
-                                    </p:set>
-                                  </p:childTnLst>
-                                </p:cTn>
-                              </p:par>
-                            </p:childTnLst>
-                          </p:cTn>
-                        </p:par>
                         <p:par>
                           <p:cTn id="11" fill="hold">
                             <p:stCondLst>
@@ -10696,7 +11937,7 @@
                             </p:stCondLst>
                             <p:childTnLst>
                               <p:par>
-                                <p:cTn id="12" presetID="1" presetClass="entr" presetSubtype="0" fill="hold" grpId="0" nodeType="afterEffect">
+                                <p:cTn id="12" presetID="1" presetClass="entr" presetSubtype="0" fill="hold" nodeType="clickEffect">
                                   <p:stCondLst>
                                     <p:cond delay="0"/>
                                   </p:stCondLst>
@@ -10709,7 +11950,11 @@
                                           </p:stCondLst>
                                         </p:cTn>
                                         <p:tgtEl>
-                                          <p:spTgt spid="21"/>
+                                          <p:spTgt spid="5">
+                                            <p:txEl>
+                                              <p:pRg st="2" end="2"/>
+                                            </p:txEl>
+                                          </p:spTgt>
                                         </p:tgtEl>
                                         <p:attrNameLst>
                                           <p:attrName>style.visibility</p:attrName>
@@ -10754,7 +11999,7 @@
                                           </p:stCondLst>
                                         </p:cTn>
                                         <p:tgtEl>
-                                          <p:spTgt spid="9"/>
+                                          <p:spTgt spid="10"/>
                                         </p:tgtEl>
                                         <p:attrNameLst>
                                           <p:attrName>style.visibility</p:attrName>
@@ -10790,7 +12035,7 @@
                                           </p:stCondLst>
                                         </p:cTn>
                                         <p:tgtEl>
-                                          <p:spTgt spid="22"/>
+                                          <p:spTgt spid="21"/>
                                         </p:tgtEl>
                                         <p:attrNameLst>
                                           <p:attrName>style.visibility</p:attrName>
@@ -10835,7 +12080,7 @@
                                           </p:stCondLst>
                                         </p:cTn>
                                         <p:tgtEl>
-                                          <p:spTgt spid="11"/>
+                                          <p:spTgt spid="9"/>
                                         </p:tgtEl>
                                         <p:attrNameLst>
                                           <p:attrName>style.visibility</p:attrName>
@@ -10858,7 +12103,7 @@
                             </p:stCondLst>
                             <p:childTnLst>
                               <p:par>
-                                <p:cTn id="26" presetID="1" presetClass="entr" presetSubtype="0" fill="hold" nodeType="afterEffect">
+                                <p:cTn id="26" presetID="1" presetClass="entr" presetSubtype="0" fill="hold" grpId="0" nodeType="afterEffect">
                                   <p:stCondLst>
                                     <p:cond delay="0"/>
                                   </p:stCondLst>
@@ -10866,6 +12111,87 @@
                                     <p:set>
                                       <p:cBhvr>
                                         <p:cTn id="27" dur="1" fill="hold">
+                                          <p:stCondLst>
+                                            <p:cond delay="0"/>
+                                          </p:stCondLst>
+                                        </p:cTn>
+                                        <p:tgtEl>
+                                          <p:spTgt spid="22"/>
+                                        </p:tgtEl>
+                                        <p:attrNameLst>
+                                          <p:attrName>style.visibility</p:attrName>
+                                        </p:attrNameLst>
+                                      </p:cBhvr>
+                                      <p:to>
+                                        <p:strVal val="visible"/>
+                                      </p:to>
+                                    </p:set>
+                                  </p:childTnLst>
+                                </p:cTn>
+                              </p:par>
+                            </p:childTnLst>
+                          </p:cTn>
+                        </p:par>
+                      </p:childTnLst>
+                    </p:cTn>
+                  </p:par>
+                  <p:par>
+                    <p:cTn id="28" fill="hold">
+                      <p:stCondLst>
+                        <p:cond delay="indefinite"/>
+                      </p:stCondLst>
+                      <p:childTnLst>
+                        <p:par>
+                          <p:cTn id="29" fill="hold">
+                            <p:stCondLst>
+                              <p:cond delay="0"/>
+                            </p:stCondLst>
+                            <p:childTnLst>
+                              <p:par>
+                                <p:cTn id="30" presetID="1" presetClass="entr" presetSubtype="0" fill="hold" nodeType="clickEffect">
+                                  <p:stCondLst>
+                                    <p:cond delay="0"/>
+                                  </p:stCondLst>
+                                  <p:childTnLst>
+                                    <p:set>
+                                      <p:cBhvr>
+                                        <p:cTn id="31" dur="1" fill="hold">
+                                          <p:stCondLst>
+                                            <p:cond delay="0"/>
+                                          </p:stCondLst>
+                                        </p:cTn>
+                                        <p:tgtEl>
+                                          <p:spTgt spid="11"/>
+                                        </p:tgtEl>
+                                        <p:attrNameLst>
+                                          <p:attrName>style.visibility</p:attrName>
+                                        </p:attrNameLst>
+                                      </p:cBhvr>
+                                      <p:to>
+                                        <p:strVal val="visible"/>
+                                      </p:to>
+                                    </p:set>
+                                  </p:childTnLst>
+                                </p:cTn>
+                              </p:par>
+                            </p:childTnLst>
+                          </p:cTn>
+                        </p:par>
+                        <p:par>
+                          <p:cTn id="32" fill="hold">
+                            <p:stCondLst>
+                              <p:cond delay="0"/>
+                            </p:stCondLst>
+                            <p:childTnLst>
+                              <p:par>
+                                <p:cTn id="33" presetID="1" presetClass="entr" presetSubtype="0" fill="hold" nodeType="afterEffect">
+                                  <p:stCondLst>
+                                    <p:cond delay="0"/>
+                                  </p:stCondLst>
+                                  <p:childTnLst>
+                                    <p:set>
+                                      <p:cBhvr>
+                                        <p:cTn id="34" dur="1" fill="hold">
                                           <p:stCondLst>
                                             <p:cond delay="0"/>
                                           </p:stCondLst>
@@ -10888,20 +12214,20 @@
                           </p:cTn>
                         </p:par>
                         <p:par>
-                          <p:cTn id="28" fill="hold">
+                          <p:cTn id="35" fill="hold">
                             <p:stCondLst>
                               <p:cond delay="0"/>
                             </p:stCondLst>
                             <p:childTnLst>
                               <p:par>
-                                <p:cTn id="29" presetID="1" presetClass="entr" presetSubtype="0" fill="hold" nodeType="afterEffect">
+                                <p:cTn id="36" presetID="1" presetClass="entr" presetSubtype="0" fill="hold" nodeType="afterEffect">
                                   <p:stCondLst>
                                     <p:cond delay="0"/>
                                   </p:stCondLst>
                                   <p:childTnLst>
                                     <p:set>
                                       <p:cBhvr>
-                                        <p:cTn id="30" dur="1" fill="hold">
+                                        <p:cTn id="37" dur="1" fill="hold">
                                           <p:stCondLst>
                                             <p:cond delay="0"/>
                                           </p:stCondLst>
@@ -10924,20 +12250,20 @@
                           </p:cTn>
                         </p:par>
                         <p:par>
-                          <p:cTn id="31" fill="hold">
+                          <p:cTn id="38" fill="hold">
                             <p:stCondLst>
                               <p:cond delay="0"/>
                             </p:stCondLst>
                             <p:childTnLst>
                               <p:par>
-                                <p:cTn id="32" presetID="1" presetClass="entr" presetSubtype="0" fill="hold" nodeType="afterEffect">
+                                <p:cTn id="39" presetID="1" presetClass="entr" presetSubtype="0" fill="hold" nodeType="afterEffect">
                                   <p:stCondLst>
                                     <p:cond delay="0"/>
                                   </p:stCondLst>
                                   <p:childTnLst>
                                     <p:set>
                                       <p:cBhvr>
-                                        <p:cTn id="33" dur="1" fill="hold">
+                                        <p:cTn id="40" dur="1" fill="hold">
                                           <p:stCondLst>
                                             <p:cond delay="0"/>
                                           </p:stCondLst>
@@ -10960,20 +12286,20 @@
                           </p:cTn>
                         </p:par>
                         <p:par>
-                          <p:cTn id="34" fill="hold">
+                          <p:cTn id="41" fill="hold">
                             <p:stCondLst>
                               <p:cond delay="0"/>
                             </p:stCondLst>
                             <p:childTnLst>
                               <p:par>
-                                <p:cTn id="35" presetID="1" presetClass="entr" presetSubtype="0" fill="hold" grpId="0" nodeType="afterEffect">
+                                <p:cTn id="42" presetID="1" presetClass="entr" presetSubtype="0" fill="hold" grpId="0" nodeType="afterEffect">
                                   <p:stCondLst>
                                     <p:cond delay="0"/>
                                   </p:stCondLst>
                                   <p:childTnLst>
                                     <p:set>
                                       <p:cBhvr>
-                                        <p:cTn id="36" dur="1" fill="hold">
+                                        <p:cTn id="43" dur="1" fill="hold">
                                           <p:stCondLst>
                                             <p:cond delay="0"/>
                                           </p:stCondLst>
@@ -12441,6 +13767,312 @@
   <p:clrMapOvr>
     <a:masterClrMapping/>
   </p:clrMapOvr>
+  <p:timing>
+    <p:tnLst>
+      <p:par>
+        <p:cTn id="1" dur="indefinite" restart="never" nodeType="tmRoot">
+          <p:childTnLst>
+            <p:seq concurrent="1" nextAc="seek">
+              <p:cTn id="2" dur="indefinite" nodeType="mainSeq">
+                <p:childTnLst>
+                  <p:par>
+                    <p:cTn id="3" fill="hold">
+                      <p:stCondLst>
+                        <p:cond delay="indefinite"/>
+                      </p:stCondLst>
+                      <p:childTnLst>
+                        <p:par>
+                          <p:cTn id="4" fill="hold">
+                            <p:stCondLst>
+                              <p:cond delay="0"/>
+                            </p:stCondLst>
+                            <p:childTnLst>
+                              <p:par>
+                                <p:cTn id="5" presetID="1" presetClass="entr" presetSubtype="0" fill="hold" nodeType="clickEffect">
+                                  <p:stCondLst>
+                                    <p:cond delay="0"/>
+                                  </p:stCondLst>
+                                  <p:childTnLst>
+                                    <p:set>
+                                      <p:cBhvr>
+                                        <p:cTn id="6" dur="1" fill="hold">
+                                          <p:stCondLst>
+                                            <p:cond delay="0"/>
+                                          </p:stCondLst>
+                                        </p:cTn>
+                                        <p:tgtEl>
+                                          <p:spTgt spid="5">
+                                            <p:txEl>
+                                              <p:pRg st="1" end="1"/>
+                                            </p:txEl>
+                                          </p:spTgt>
+                                        </p:tgtEl>
+                                        <p:attrNameLst>
+                                          <p:attrName>style.visibility</p:attrName>
+                                        </p:attrNameLst>
+                                      </p:cBhvr>
+                                      <p:to>
+                                        <p:strVal val="visible"/>
+                                      </p:to>
+                                    </p:set>
+                                  </p:childTnLst>
+                                </p:cTn>
+                              </p:par>
+                            </p:childTnLst>
+                          </p:cTn>
+                        </p:par>
+                      </p:childTnLst>
+                    </p:cTn>
+                  </p:par>
+                  <p:par>
+                    <p:cTn id="7" fill="hold">
+                      <p:stCondLst>
+                        <p:cond delay="indefinite"/>
+                      </p:stCondLst>
+                      <p:childTnLst>
+                        <p:par>
+                          <p:cTn id="8" fill="hold">
+                            <p:stCondLst>
+                              <p:cond delay="0"/>
+                            </p:stCondLst>
+                            <p:childTnLst>
+                              <p:par>
+                                <p:cTn id="9" presetID="1" presetClass="entr" presetSubtype="0" fill="hold" nodeType="clickEffect">
+                                  <p:stCondLst>
+                                    <p:cond delay="0"/>
+                                  </p:stCondLst>
+                                  <p:childTnLst>
+                                    <p:set>
+                                      <p:cBhvr>
+                                        <p:cTn id="10" dur="1" fill="hold">
+                                          <p:stCondLst>
+                                            <p:cond delay="0"/>
+                                          </p:stCondLst>
+                                        </p:cTn>
+                                        <p:tgtEl>
+                                          <p:spTgt spid="5">
+                                            <p:txEl>
+                                              <p:pRg st="2" end="2"/>
+                                            </p:txEl>
+                                          </p:spTgt>
+                                        </p:tgtEl>
+                                        <p:attrNameLst>
+                                          <p:attrName>style.visibility</p:attrName>
+                                        </p:attrNameLst>
+                                      </p:cBhvr>
+                                      <p:to>
+                                        <p:strVal val="visible"/>
+                                      </p:to>
+                                    </p:set>
+                                  </p:childTnLst>
+                                </p:cTn>
+                              </p:par>
+                            </p:childTnLst>
+                          </p:cTn>
+                        </p:par>
+                      </p:childTnLst>
+                    </p:cTn>
+                  </p:par>
+                  <p:par>
+                    <p:cTn id="11" fill="hold">
+                      <p:stCondLst>
+                        <p:cond delay="indefinite"/>
+                      </p:stCondLst>
+                      <p:childTnLst>
+                        <p:par>
+                          <p:cTn id="12" fill="hold">
+                            <p:stCondLst>
+                              <p:cond delay="0"/>
+                            </p:stCondLst>
+                            <p:childTnLst>
+                              <p:par>
+                                <p:cTn id="13" presetID="1" presetClass="entr" presetSubtype="0" fill="hold" nodeType="clickEffect">
+                                  <p:stCondLst>
+                                    <p:cond delay="0"/>
+                                  </p:stCondLst>
+                                  <p:childTnLst>
+                                    <p:set>
+                                      <p:cBhvr>
+                                        <p:cTn id="14" dur="1" fill="hold">
+                                          <p:stCondLst>
+                                            <p:cond delay="0"/>
+                                          </p:stCondLst>
+                                        </p:cTn>
+                                        <p:tgtEl>
+                                          <p:spTgt spid="5">
+                                            <p:txEl>
+                                              <p:pRg st="3" end="3"/>
+                                            </p:txEl>
+                                          </p:spTgt>
+                                        </p:tgtEl>
+                                        <p:attrNameLst>
+                                          <p:attrName>style.visibility</p:attrName>
+                                        </p:attrNameLst>
+                                      </p:cBhvr>
+                                      <p:to>
+                                        <p:strVal val="visible"/>
+                                      </p:to>
+                                    </p:set>
+                                  </p:childTnLst>
+                                </p:cTn>
+                              </p:par>
+                            </p:childTnLst>
+                          </p:cTn>
+                        </p:par>
+                      </p:childTnLst>
+                    </p:cTn>
+                  </p:par>
+                  <p:par>
+                    <p:cTn id="15" fill="hold">
+                      <p:stCondLst>
+                        <p:cond delay="indefinite"/>
+                      </p:stCondLst>
+                      <p:childTnLst>
+                        <p:par>
+                          <p:cTn id="16" fill="hold">
+                            <p:stCondLst>
+                              <p:cond delay="0"/>
+                            </p:stCondLst>
+                            <p:childTnLst>
+                              <p:par>
+                                <p:cTn id="17" presetID="1" presetClass="entr" presetSubtype="0" fill="hold" nodeType="clickEffect">
+                                  <p:stCondLst>
+                                    <p:cond delay="0"/>
+                                  </p:stCondLst>
+                                  <p:childTnLst>
+                                    <p:set>
+                                      <p:cBhvr>
+                                        <p:cTn id="18" dur="1" fill="hold">
+                                          <p:stCondLst>
+                                            <p:cond delay="0"/>
+                                          </p:stCondLst>
+                                        </p:cTn>
+                                        <p:tgtEl>
+                                          <p:spTgt spid="5">
+                                            <p:txEl>
+                                              <p:pRg st="4" end="4"/>
+                                            </p:txEl>
+                                          </p:spTgt>
+                                        </p:tgtEl>
+                                        <p:attrNameLst>
+                                          <p:attrName>style.visibility</p:attrName>
+                                        </p:attrNameLst>
+                                      </p:cBhvr>
+                                      <p:to>
+                                        <p:strVal val="visible"/>
+                                      </p:to>
+                                    </p:set>
+                                  </p:childTnLst>
+                                </p:cTn>
+                              </p:par>
+                            </p:childTnLst>
+                          </p:cTn>
+                        </p:par>
+                      </p:childTnLst>
+                    </p:cTn>
+                  </p:par>
+                  <p:par>
+                    <p:cTn id="19" fill="hold">
+                      <p:stCondLst>
+                        <p:cond delay="indefinite"/>
+                      </p:stCondLst>
+                      <p:childTnLst>
+                        <p:par>
+                          <p:cTn id="20" fill="hold">
+                            <p:stCondLst>
+                              <p:cond delay="0"/>
+                            </p:stCondLst>
+                            <p:childTnLst>
+                              <p:par>
+                                <p:cTn id="21" presetID="1" presetClass="entr" presetSubtype="0" fill="hold" nodeType="clickEffect">
+                                  <p:stCondLst>
+                                    <p:cond delay="0"/>
+                                  </p:stCondLst>
+                                  <p:childTnLst>
+                                    <p:set>
+                                      <p:cBhvr>
+                                        <p:cTn id="22" dur="1" fill="hold">
+                                          <p:stCondLst>
+                                            <p:cond delay="0"/>
+                                          </p:stCondLst>
+                                        </p:cTn>
+                                        <p:tgtEl>
+                                          <p:spTgt spid="5">
+                                            <p:txEl>
+                                              <p:pRg st="5" end="5"/>
+                                            </p:txEl>
+                                          </p:spTgt>
+                                        </p:tgtEl>
+                                        <p:attrNameLst>
+                                          <p:attrName>style.visibility</p:attrName>
+                                        </p:attrNameLst>
+                                      </p:cBhvr>
+                                      <p:to>
+                                        <p:strVal val="visible"/>
+                                      </p:to>
+                                    </p:set>
+                                  </p:childTnLst>
+                                </p:cTn>
+                              </p:par>
+                              <p:par>
+                                <p:cTn id="23" presetID="1" presetClass="entr" presetSubtype="0" fill="hold" nodeType="withEffect">
+                                  <p:stCondLst>
+                                    <p:cond delay="0"/>
+                                  </p:stCondLst>
+                                  <p:childTnLst>
+                                    <p:set>
+                                      <p:cBhvr>
+                                        <p:cTn id="24" dur="1" fill="hold">
+                                          <p:stCondLst>
+                                            <p:cond delay="0"/>
+                                          </p:stCondLst>
+                                        </p:cTn>
+                                        <p:tgtEl>
+                                          <p:spTgt spid="5">
+                                            <p:txEl>
+                                              <p:pRg st="6" end="6"/>
+                                            </p:txEl>
+                                          </p:spTgt>
+                                        </p:tgtEl>
+                                        <p:attrNameLst>
+                                          <p:attrName>style.visibility</p:attrName>
+                                        </p:attrNameLst>
+                                      </p:cBhvr>
+                                      <p:to>
+                                        <p:strVal val="visible"/>
+                                      </p:to>
+                                    </p:set>
+                                  </p:childTnLst>
+                                </p:cTn>
+                              </p:par>
+                            </p:childTnLst>
+                          </p:cTn>
+                        </p:par>
+                      </p:childTnLst>
+                    </p:cTn>
+                  </p:par>
+                </p:childTnLst>
+              </p:cTn>
+              <p:prevCondLst>
+                <p:cond evt="onPrev" delay="0">
+                  <p:tgtEl>
+                    <p:sldTgt/>
+                  </p:tgtEl>
+                </p:cond>
+              </p:prevCondLst>
+              <p:nextCondLst>
+                <p:cond evt="onNext" delay="0">
+                  <p:tgtEl>
+                    <p:sldTgt/>
+                  </p:tgtEl>
+                </p:cond>
+              </p:nextCondLst>
+            </p:seq>
+          </p:childTnLst>
+        </p:cTn>
+      </p:par>
+    </p:tnLst>
+  </p:timing>
 </p:sld>
 </file>
 
@@ -12505,7 +14137,7 @@
               <a:t>всяка цифра по </a:t>
             </a:r>
             <a:r>
-              <a:rPr lang="bg-BG" altLang="he-IL">
+              <a:rPr lang="bg-BG" altLang="he-IL" dirty="0">
                 <a:solidFill>
                   <a:schemeClr val="tx2">
                     <a:lumMod val="75000"/>
@@ -12515,11 +14147,11 @@
               <a:t>основата</a:t>
             </a:r>
             <a:r>
-              <a:rPr lang="bg-BG" altLang="he-IL"/>
+              <a:rPr lang="bg-BG" altLang="he-IL" dirty="0"/>
               <a:t> 2 </a:t>
             </a:r>
             <a:r>
-              <a:rPr lang="bg-BG" altLang="he-IL">
+              <a:rPr lang="bg-BG" altLang="he-IL" dirty="0">
                 <a:solidFill>
                   <a:schemeClr val="tx2">
                     <a:lumMod val="75000"/>
@@ -12529,7 +14161,7 @@
               <a:t>на</a:t>
             </a:r>
             <a:r>
-              <a:rPr lang="bg-BG" altLang="he-IL"/>
+              <a:rPr lang="bg-BG" altLang="he-IL" dirty="0"/>
               <a:t> </a:t>
             </a:r>
             <a:r>
@@ -13850,6 +15482,245 @@
   <p:clrMapOvr>
     <a:masterClrMapping/>
   </p:clrMapOvr>
+  <p:timing>
+    <p:tnLst>
+      <p:par>
+        <p:cTn id="1" dur="indefinite" restart="never" nodeType="tmRoot">
+          <p:childTnLst>
+            <p:seq concurrent="1" nextAc="seek">
+              <p:cTn id="2" dur="indefinite" nodeType="mainSeq">
+                <p:childTnLst>
+                  <p:par>
+                    <p:cTn id="3" fill="hold">
+                      <p:stCondLst>
+                        <p:cond delay="indefinite"/>
+                      </p:stCondLst>
+                      <p:childTnLst>
+                        <p:par>
+                          <p:cTn id="4" fill="hold">
+                            <p:stCondLst>
+                              <p:cond delay="0"/>
+                            </p:stCondLst>
+                            <p:childTnLst>
+                              <p:par>
+                                <p:cTn id="5" presetID="1" presetClass="entr" presetSubtype="0" fill="hold" nodeType="clickEffect">
+                                  <p:stCondLst>
+                                    <p:cond delay="0"/>
+                                  </p:stCondLst>
+                                  <p:childTnLst>
+                                    <p:set>
+                                      <p:cBhvr>
+                                        <p:cTn id="6" dur="1" fill="hold">
+                                          <p:stCondLst>
+                                            <p:cond delay="0"/>
+                                          </p:stCondLst>
+                                        </p:cTn>
+                                        <p:tgtEl>
+                                          <p:spTgt spid="5">
+                                            <p:txEl>
+                                              <p:pRg st="1" end="1"/>
+                                            </p:txEl>
+                                          </p:spTgt>
+                                        </p:tgtEl>
+                                        <p:attrNameLst>
+                                          <p:attrName>style.visibility</p:attrName>
+                                        </p:attrNameLst>
+                                      </p:cBhvr>
+                                      <p:to>
+                                        <p:strVal val="visible"/>
+                                      </p:to>
+                                    </p:set>
+                                  </p:childTnLst>
+                                </p:cTn>
+                              </p:par>
+                              <p:par>
+                                <p:cTn id="7" presetID="1" presetClass="entr" presetSubtype="0" fill="hold" nodeType="withEffect">
+                                  <p:stCondLst>
+                                    <p:cond delay="0"/>
+                                  </p:stCondLst>
+                                  <p:childTnLst>
+                                    <p:set>
+                                      <p:cBhvr>
+                                        <p:cTn id="8" dur="1" fill="hold">
+                                          <p:stCondLst>
+                                            <p:cond delay="0"/>
+                                          </p:stCondLst>
+                                        </p:cTn>
+                                        <p:tgtEl>
+                                          <p:spTgt spid="5">
+                                            <p:txEl>
+                                              <p:pRg st="2" end="2"/>
+                                            </p:txEl>
+                                          </p:spTgt>
+                                        </p:tgtEl>
+                                        <p:attrNameLst>
+                                          <p:attrName>style.visibility</p:attrName>
+                                        </p:attrNameLst>
+                                      </p:cBhvr>
+                                      <p:to>
+                                        <p:strVal val="visible"/>
+                                      </p:to>
+                                    </p:set>
+                                  </p:childTnLst>
+                                </p:cTn>
+                              </p:par>
+                            </p:childTnLst>
+                          </p:cTn>
+                        </p:par>
+                      </p:childTnLst>
+                    </p:cTn>
+                  </p:par>
+                  <p:par>
+                    <p:cTn id="9" fill="hold">
+                      <p:stCondLst>
+                        <p:cond delay="indefinite"/>
+                      </p:stCondLst>
+                      <p:childTnLst>
+                        <p:par>
+                          <p:cTn id="10" fill="hold">
+                            <p:stCondLst>
+                              <p:cond delay="0"/>
+                            </p:stCondLst>
+                            <p:childTnLst>
+                              <p:par>
+                                <p:cTn id="11" presetID="1" presetClass="entr" presetSubtype="0" fill="hold" nodeType="clickEffect">
+                                  <p:stCondLst>
+                                    <p:cond delay="0"/>
+                                  </p:stCondLst>
+                                  <p:childTnLst>
+                                    <p:set>
+                                      <p:cBhvr>
+                                        <p:cTn id="12" dur="1" fill="hold">
+                                          <p:stCondLst>
+                                            <p:cond delay="0"/>
+                                          </p:stCondLst>
+                                        </p:cTn>
+                                        <p:tgtEl>
+                                          <p:spTgt spid="5">
+                                            <p:txEl>
+                                              <p:pRg st="3" end="3"/>
+                                            </p:txEl>
+                                          </p:spTgt>
+                                        </p:tgtEl>
+                                        <p:attrNameLst>
+                                          <p:attrName>style.visibility</p:attrName>
+                                        </p:attrNameLst>
+                                      </p:cBhvr>
+                                      <p:to>
+                                        <p:strVal val="visible"/>
+                                      </p:to>
+                                    </p:set>
+                                  </p:childTnLst>
+                                </p:cTn>
+                              </p:par>
+                              <p:par>
+                                <p:cTn id="13" presetID="1" presetClass="entr" presetSubtype="0" fill="hold" nodeType="withEffect">
+                                  <p:stCondLst>
+                                    <p:cond delay="0"/>
+                                  </p:stCondLst>
+                                  <p:childTnLst>
+                                    <p:set>
+                                      <p:cBhvr>
+                                        <p:cTn id="14" dur="1" fill="hold">
+                                          <p:stCondLst>
+                                            <p:cond delay="0"/>
+                                          </p:stCondLst>
+                                        </p:cTn>
+                                        <p:tgtEl>
+                                          <p:spTgt spid="5">
+                                            <p:txEl>
+                                              <p:pRg st="4" end="4"/>
+                                            </p:txEl>
+                                          </p:spTgt>
+                                        </p:tgtEl>
+                                        <p:attrNameLst>
+                                          <p:attrName>style.visibility</p:attrName>
+                                        </p:attrNameLst>
+                                      </p:cBhvr>
+                                      <p:to>
+                                        <p:strVal val="visible"/>
+                                      </p:to>
+                                    </p:set>
+                                  </p:childTnLst>
+                                </p:cTn>
+                              </p:par>
+                            </p:childTnLst>
+                          </p:cTn>
+                        </p:par>
+                      </p:childTnLst>
+                    </p:cTn>
+                  </p:par>
+                  <p:par>
+                    <p:cTn id="15" fill="hold">
+                      <p:stCondLst>
+                        <p:cond delay="indefinite"/>
+                      </p:stCondLst>
+                      <p:childTnLst>
+                        <p:par>
+                          <p:cTn id="16" fill="hold">
+                            <p:stCondLst>
+                              <p:cond delay="0"/>
+                            </p:stCondLst>
+                            <p:childTnLst>
+                              <p:par>
+                                <p:cTn id="17" presetID="1" presetClass="entr" presetSubtype="0" fill="hold" nodeType="clickEffect">
+                                  <p:stCondLst>
+                                    <p:cond delay="0"/>
+                                  </p:stCondLst>
+                                  <p:childTnLst>
+                                    <p:set>
+                                      <p:cBhvr>
+                                        <p:cTn id="18" dur="1" fill="hold">
+                                          <p:stCondLst>
+                                            <p:cond delay="0"/>
+                                          </p:stCondLst>
+                                        </p:cTn>
+                                        <p:tgtEl>
+                                          <p:spTgt spid="5">
+                                            <p:txEl>
+                                              <p:pRg st="5" end="5"/>
+                                            </p:txEl>
+                                          </p:spTgt>
+                                        </p:tgtEl>
+                                        <p:attrNameLst>
+                                          <p:attrName>style.visibility</p:attrName>
+                                        </p:attrNameLst>
+                                      </p:cBhvr>
+                                      <p:to>
+                                        <p:strVal val="visible"/>
+                                      </p:to>
+                                    </p:set>
+                                  </p:childTnLst>
+                                </p:cTn>
+                              </p:par>
+                            </p:childTnLst>
+                          </p:cTn>
+                        </p:par>
+                      </p:childTnLst>
+                    </p:cTn>
+                  </p:par>
+                </p:childTnLst>
+              </p:cTn>
+              <p:prevCondLst>
+                <p:cond evt="onPrev" delay="0">
+                  <p:tgtEl>
+                    <p:sldTgt/>
+                  </p:tgtEl>
+                </p:cond>
+              </p:prevCondLst>
+              <p:nextCondLst>
+                <p:cond evt="onNext" delay="0">
+                  <p:tgtEl>
+                    <p:sldTgt/>
+                  </p:tgtEl>
+                </p:cond>
+              </p:nextCondLst>
+            </p:seq>
+          </p:childTnLst>
+        </p:cTn>
+      </p:par>
+    </p:tnLst>
+  </p:timing>
 </p:sld>
 </file>
 
@@ -14279,6 +16150,158 @@
   <p:clrMapOvr>
     <a:masterClrMapping/>
   </p:clrMapOvr>
+  <p:timing>
+    <p:tnLst>
+      <p:par>
+        <p:cTn id="1" dur="indefinite" restart="never" nodeType="tmRoot">
+          <p:childTnLst>
+            <p:seq concurrent="1" nextAc="seek">
+              <p:cTn id="2" dur="indefinite" nodeType="mainSeq">
+                <p:childTnLst>
+                  <p:par>
+                    <p:cTn id="3" fill="hold">
+                      <p:stCondLst>
+                        <p:cond delay="indefinite"/>
+                      </p:stCondLst>
+                      <p:childTnLst>
+                        <p:par>
+                          <p:cTn id="4" fill="hold">
+                            <p:stCondLst>
+                              <p:cond delay="0"/>
+                            </p:stCondLst>
+                            <p:childTnLst>
+                              <p:par>
+                                <p:cTn id="5" presetID="1" presetClass="entr" presetSubtype="0" fill="hold" grpId="0" nodeType="clickEffect">
+                                  <p:stCondLst>
+                                    <p:cond delay="0"/>
+                                  </p:stCondLst>
+                                  <p:childTnLst>
+                                    <p:set>
+                                      <p:cBhvr>
+                                        <p:cTn id="6" dur="1" fill="hold">
+                                          <p:stCondLst>
+                                            <p:cond delay="0"/>
+                                          </p:stCondLst>
+                                        </p:cTn>
+                                        <p:tgtEl>
+                                          <p:spTgt spid="2"/>
+                                        </p:tgtEl>
+                                        <p:attrNameLst>
+                                          <p:attrName>style.visibility</p:attrName>
+                                        </p:attrNameLst>
+                                      </p:cBhvr>
+                                      <p:to>
+                                        <p:strVal val="visible"/>
+                                      </p:to>
+                                    </p:set>
+                                  </p:childTnLst>
+                                </p:cTn>
+                              </p:par>
+                            </p:childTnLst>
+                          </p:cTn>
+                        </p:par>
+                      </p:childTnLst>
+                    </p:cTn>
+                  </p:par>
+                  <p:par>
+                    <p:cTn id="7" fill="hold">
+                      <p:stCondLst>
+                        <p:cond delay="indefinite"/>
+                      </p:stCondLst>
+                      <p:childTnLst>
+                        <p:par>
+                          <p:cTn id="8" fill="hold">
+                            <p:stCondLst>
+                              <p:cond delay="0"/>
+                            </p:stCondLst>
+                            <p:childTnLst>
+                              <p:par>
+                                <p:cTn id="9" presetID="1" presetClass="entr" presetSubtype="0" fill="hold" grpId="0" nodeType="clickEffect">
+                                  <p:stCondLst>
+                                    <p:cond delay="0"/>
+                                  </p:stCondLst>
+                                  <p:childTnLst>
+                                    <p:set>
+                                      <p:cBhvr>
+                                        <p:cTn id="10" dur="1" fill="hold">
+                                          <p:stCondLst>
+                                            <p:cond delay="0"/>
+                                          </p:stCondLst>
+                                        </p:cTn>
+                                        <p:tgtEl>
+                                          <p:spTgt spid="6"/>
+                                        </p:tgtEl>
+                                        <p:attrNameLst>
+                                          <p:attrName>style.visibility</p:attrName>
+                                        </p:attrNameLst>
+                                      </p:cBhvr>
+                                      <p:to>
+                                        <p:strVal val="visible"/>
+                                      </p:to>
+                                    </p:set>
+                                  </p:childTnLst>
+                                </p:cTn>
+                              </p:par>
+                              <p:par>
+                                <p:cTn id="11" presetID="1" presetClass="entr" presetSubtype="0" fill="hold" grpId="0" nodeType="withEffect">
+                                  <p:stCondLst>
+                                    <p:cond delay="0"/>
+                                  </p:stCondLst>
+                                  <p:childTnLst>
+                                    <p:set>
+                                      <p:cBhvr>
+                                        <p:cTn id="12" dur="1" fill="hold">
+                                          <p:stCondLst>
+                                            <p:cond delay="0"/>
+                                          </p:stCondLst>
+                                        </p:cTn>
+                                        <p:tgtEl>
+                                          <p:spTgt spid="3"/>
+                                        </p:tgtEl>
+                                        <p:attrNameLst>
+                                          <p:attrName>style.visibility</p:attrName>
+                                        </p:attrNameLst>
+                                      </p:cBhvr>
+                                      <p:to>
+                                        <p:strVal val="visible"/>
+                                      </p:to>
+                                    </p:set>
+                                  </p:childTnLst>
+                                </p:cTn>
+                              </p:par>
+                            </p:childTnLst>
+                          </p:cTn>
+                        </p:par>
+                      </p:childTnLst>
+                    </p:cTn>
+                  </p:par>
+                </p:childTnLst>
+              </p:cTn>
+              <p:prevCondLst>
+                <p:cond evt="onPrev" delay="0">
+                  <p:tgtEl>
+                    <p:sldTgt/>
+                  </p:tgtEl>
+                </p:cond>
+              </p:prevCondLst>
+              <p:nextCondLst>
+                <p:cond evt="onNext" delay="0">
+                  <p:tgtEl>
+                    <p:sldTgt/>
+                  </p:tgtEl>
+                </p:cond>
+              </p:nextCondLst>
+            </p:seq>
+          </p:childTnLst>
+        </p:cTn>
+      </p:par>
+    </p:tnLst>
+    <p:bldLst>
+      <p:bldP spid="2" grpId="0"/>
+      <p:bldP spid="6" grpId="0" animBg="1"/>
+      <p:bldP spid="3" grpId="0"/>
+    </p:bldLst>
+  </p:timing>
 </p:sld>
 </file>
 
@@ -17950,6 +19973,276 @@
   <p:clrMapOvr>
     <a:masterClrMapping/>
   </p:clrMapOvr>
+  <p:timing>
+    <p:tnLst>
+      <p:par>
+        <p:cTn id="1" dur="indefinite" restart="never" nodeType="tmRoot">
+          <p:childTnLst>
+            <p:seq concurrent="1" nextAc="seek">
+              <p:cTn id="2" dur="indefinite" nodeType="mainSeq">
+                <p:childTnLst>
+                  <p:par>
+                    <p:cTn id="3" fill="hold">
+                      <p:stCondLst>
+                        <p:cond delay="indefinite"/>
+                      </p:stCondLst>
+                      <p:childTnLst>
+                        <p:par>
+                          <p:cTn id="4" fill="hold">
+                            <p:stCondLst>
+                              <p:cond delay="0"/>
+                            </p:stCondLst>
+                            <p:childTnLst>
+                              <p:par>
+                                <p:cTn id="5" presetID="1" presetClass="entr" presetSubtype="0" fill="hold" nodeType="clickEffect">
+                                  <p:stCondLst>
+                                    <p:cond delay="0"/>
+                                  </p:stCondLst>
+                                  <p:childTnLst>
+                                    <p:set>
+                                      <p:cBhvr>
+                                        <p:cTn id="6" dur="1" fill="hold">
+                                          <p:stCondLst>
+                                            <p:cond delay="0"/>
+                                          </p:stCondLst>
+                                        </p:cTn>
+                                        <p:tgtEl>
+                                          <p:spTgt spid="5">
+                                            <p:txEl>
+                                              <p:pRg st="1" end="1"/>
+                                            </p:txEl>
+                                          </p:spTgt>
+                                        </p:tgtEl>
+                                        <p:attrNameLst>
+                                          <p:attrName>style.visibility</p:attrName>
+                                        </p:attrNameLst>
+                                      </p:cBhvr>
+                                      <p:to>
+                                        <p:strVal val="visible"/>
+                                      </p:to>
+                                    </p:set>
+                                  </p:childTnLst>
+                                </p:cTn>
+                              </p:par>
+                            </p:childTnLst>
+                          </p:cTn>
+                        </p:par>
+                      </p:childTnLst>
+                    </p:cTn>
+                  </p:par>
+                  <p:par>
+                    <p:cTn id="7" fill="hold">
+                      <p:stCondLst>
+                        <p:cond delay="indefinite"/>
+                      </p:stCondLst>
+                      <p:childTnLst>
+                        <p:par>
+                          <p:cTn id="8" fill="hold">
+                            <p:stCondLst>
+                              <p:cond delay="0"/>
+                            </p:stCondLst>
+                            <p:childTnLst>
+                              <p:par>
+                                <p:cTn id="9" presetID="1" presetClass="entr" presetSubtype="0" fill="hold" nodeType="clickEffect">
+                                  <p:stCondLst>
+                                    <p:cond delay="0"/>
+                                  </p:stCondLst>
+                                  <p:childTnLst>
+                                    <p:set>
+                                      <p:cBhvr>
+                                        <p:cTn id="10" dur="1" fill="hold">
+                                          <p:stCondLst>
+                                            <p:cond delay="0"/>
+                                          </p:stCondLst>
+                                        </p:cTn>
+                                        <p:tgtEl>
+                                          <p:spTgt spid="5">
+                                            <p:txEl>
+                                              <p:pRg st="2" end="2"/>
+                                            </p:txEl>
+                                          </p:spTgt>
+                                        </p:tgtEl>
+                                        <p:attrNameLst>
+                                          <p:attrName>style.visibility</p:attrName>
+                                        </p:attrNameLst>
+                                      </p:cBhvr>
+                                      <p:to>
+                                        <p:strVal val="visible"/>
+                                      </p:to>
+                                    </p:set>
+                                  </p:childTnLst>
+                                </p:cTn>
+                              </p:par>
+                            </p:childTnLst>
+                          </p:cTn>
+                        </p:par>
+                      </p:childTnLst>
+                    </p:cTn>
+                  </p:par>
+                  <p:par>
+                    <p:cTn id="11" fill="hold">
+                      <p:stCondLst>
+                        <p:cond delay="indefinite"/>
+                      </p:stCondLst>
+                      <p:childTnLst>
+                        <p:par>
+                          <p:cTn id="12" fill="hold">
+                            <p:stCondLst>
+                              <p:cond delay="0"/>
+                            </p:stCondLst>
+                            <p:childTnLst>
+                              <p:par>
+                                <p:cTn id="13" presetID="1" presetClass="entr" presetSubtype="0" fill="hold" nodeType="clickEffect">
+                                  <p:stCondLst>
+                                    <p:cond delay="0"/>
+                                  </p:stCondLst>
+                                  <p:childTnLst>
+                                    <p:set>
+                                      <p:cBhvr>
+                                        <p:cTn id="14" dur="1" fill="hold">
+                                          <p:stCondLst>
+                                            <p:cond delay="0"/>
+                                          </p:stCondLst>
+                                        </p:cTn>
+                                        <p:tgtEl>
+                                          <p:spTgt spid="5">
+                                            <p:txEl>
+                                              <p:pRg st="3" end="3"/>
+                                            </p:txEl>
+                                          </p:spTgt>
+                                        </p:tgtEl>
+                                        <p:attrNameLst>
+                                          <p:attrName>style.visibility</p:attrName>
+                                        </p:attrNameLst>
+                                      </p:cBhvr>
+                                      <p:to>
+                                        <p:strVal val="visible"/>
+                                      </p:to>
+                                    </p:set>
+                                  </p:childTnLst>
+                                </p:cTn>
+                              </p:par>
+                              <p:par>
+                                <p:cTn id="15" presetID="1" presetClass="entr" presetSubtype="0" fill="hold" nodeType="withEffect">
+                                  <p:stCondLst>
+                                    <p:cond delay="0"/>
+                                  </p:stCondLst>
+                                  <p:childTnLst>
+                                    <p:set>
+                                      <p:cBhvr>
+                                        <p:cTn id="16" dur="1" fill="hold">
+                                          <p:stCondLst>
+                                            <p:cond delay="0"/>
+                                          </p:stCondLst>
+                                        </p:cTn>
+                                        <p:tgtEl>
+                                          <p:spTgt spid="5">
+                                            <p:txEl>
+                                              <p:pRg st="4" end="4"/>
+                                            </p:txEl>
+                                          </p:spTgt>
+                                        </p:tgtEl>
+                                        <p:attrNameLst>
+                                          <p:attrName>style.visibility</p:attrName>
+                                        </p:attrNameLst>
+                                      </p:cBhvr>
+                                      <p:to>
+                                        <p:strVal val="visible"/>
+                                      </p:to>
+                                    </p:set>
+                                  </p:childTnLst>
+                                </p:cTn>
+                              </p:par>
+                              <p:par>
+                                <p:cTn id="17" presetID="1" presetClass="entr" presetSubtype="0" fill="hold" nodeType="withEffect">
+                                  <p:stCondLst>
+                                    <p:cond delay="0"/>
+                                  </p:stCondLst>
+                                  <p:childTnLst>
+                                    <p:set>
+                                      <p:cBhvr>
+                                        <p:cTn id="18" dur="1" fill="hold">
+                                          <p:stCondLst>
+                                            <p:cond delay="0"/>
+                                          </p:stCondLst>
+                                        </p:cTn>
+                                        <p:tgtEl>
+                                          <p:spTgt spid="5">
+                                            <p:txEl>
+                                              <p:pRg st="5" end="5"/>
+                                            </p:txEl>
+                                          </p:spTgt>
+                                        </p:tgtEl>
+                                        <p:attrNameLst>
+                                          <p:attrName>style.visibility</p:attrName>
+                                        </p:attrNameLst>
+                                      </p:cBhvr>
+                                      <p:to>
+                                        <p:strVal val="visible"/>
+                                      </p:to>
+                                    </p:set>
+                                  </p:childTnLst>
+                                </p:cTn>
+                              </p:par>
+                              <p:par>
+                                <p:cTn id="19" presetID="1" presetClass="entr" presetSubtype="0" fill="hold" nodeType="withEffect">
+                                  <p:stCondLst>
+                                    <p:cond delay="0"/>
+                                  </p:stCondLst>
+                                  <p:childTnLst>
+                                    <p:set>
+                                      <p:cBhvr>
+                                        <p:cTn id="20" dur="1" fill="hold">
+                                          <p:stCondLst>
+                                            <p:cond delay="0"/>
+                                          </p:stCondLst>
+                                        </p:cTn>
+                                        <p:tgtEl>
+                                          <p:spTgt spid="5">
+                                            <p:txEl>
+                                              <p:pRg st="6" end="6"/>
+                                            </p:txEl>
+                                          </p:spTgt>
+                                        </p:tgtEl>
+                                        <p:attrNameLst>
+                                          <p:attrName>style.visibility</p:attrName>
+                                        </p:attrNameLst>
+                                      </p:cBhvr>
+                                      <p:to>
+                                        <p:strVal val="visible"/>
+                                      </p:to>
+                                    </p:set>
+                                  </p:childTnLst>
+                                </p:cTn>
+                              </p:par>
+                            </p:childTnLst>
+                          </p:cTn>
+                        </p:par>
+                      </p:childTnLst>
+                    </p:cTn>
+                  </p:par>
+                </p:childTnLst>
+              </p:cTn>
+              <p:prevCondLst>
+                <p:cond evt="onPrev" delay="0">
+                  <p:tgtEl>
+                    <p:sldTgt/>
+                  </p:tgtEl>
+                </p:cond>
+              </p:prevCondLst>
+              <p:nextCondLst>
+                <p:cond evt="onNext" delay="0">
+                  <p:tgtEl>
+                    <p:sldTgt/>
+                  </p:tgtEl>
+                </p:cond>
+              </p:nextCondLst>
+            </p:seq>
+          </p:childTnLst>
+        </p:cTn>
+      </p:par>
+    </p:tnLst>
+  </p:timing>
 </p:sld>
 </file>
 
